--- a/课表.pptx
+++ b/课表.pptx
@@ -10,7 +10,6 @@
     <p:sldId id="260" r:id="rId4"/>
     <p:sldId id="261" r:id="rId5"/>
     <p:sldId id="262" r:id="rId6"/>
-    <p:sldId id="263" r:id="rId7"/>
   </p:sldIdLst>
   <p:sldSz cx="12192000" cy="6858000"/>
   <p:notesSz cx="6858000" cy="9144000"/>
@@ -117,6 +116,95 @@
 </p:presentation>
 </file>
 
+<file path=ppt/changesInfos/changesInfo1.xml><?xml version="1.0" encoding="utf-8"?>
+<pc:chgInfo xmlns:a="http://schemas.openxmlformats.org/drawingml/2006/main" xmlns:r="http://schemas.openxmlformats.org/officeDocument/2006/relationships" xmlns:ac="http://schemas.microsoft.com/office/drawing/2013/main/command" xmlns:pc="http://schemas.microsoft.com/office/powerpoint/2013/main/command">
+  <pc:docChgLst>
+    <pc:chgData name="之初 岑" userId="55d10636-356f-4a87-b8e0-85b86278c471" providerId="ADAL" clId="{C12C3A9E-D8F2-49D2-952B-6A916F1CC165}"/>
+    <pc:docChg chg="modSld">
+      <pc:chgData name="之初 岑" userId="55d10636-356f-4a87-b8e0-85b86278c471" providerId="ADAL" clId="{C12C3A9E-D8F2-49D2-952B-6A916F1CC165}" dt="2023-09-02T13:42:21.351" v="4" actId="1076"/>
+      <pc:docMkLst>
+        <pc:docMk/>
+      </pc:docMkLst>
+      <pc:sldChg chg="modSp mod">
+        <pc:chgData name="之初 岑" userId="55d10636-356f-4a87-b8e0-85b86278c471" providerId="ADAL" clId="{C12C3A9E-D8F2-49D2-952B-6A916F1CC165}" dt="2023-09-02T13:41:59.411" v="0" actId="1076"/>
+        <pc:sldMkLst>
+          <pc:docMk/>
+          <pc:sldMk cId="1553656004" sldId="258"/>
+        </pc:sldMkLst>
+        <pc:graphicFrameChg chg="mod">
+          <ac:chgData name="之初 岑" userId="55d10636-356f-4a87-b8e0-85b86278c471" providerId="ADAL" clId="{C12C3A9E-D8F2-49D2-952B-6A916F1CC165}" dt="2023-09-02T13:41:59.411" v="0" actId="1076"/>
+          <ac:graphicFrameMkLst>
+            <pc:docMk/>
+            <pc:sldMk cId="1553656004" sldId="258"/>
+            <ac:graphicFrameMk id="4" creationId="{08FD2CB2-8C44-1EF6-52D9-FBAD7D099A34}"/>
+          </ac:graphicFrameMkLst>
+        </pc:graphicFrameChg>
+      </pc:sldChg>
+      <pc:sldChg chg="modSp mod">
+        <pc:chgData name="之初 岑" userId="55d10636-356f-4a87-b8e0-85b86278c471" providerId="ADAL" clId="{C12C3A9E-D8F2-49D2-952B-6A916F1CC165}" dt="2023-09-02T13:42:06.461" v="1" actId="1076"/>
+        <pc:sldMkLst>
+          <pc:docMk/>
+          <pc:sldMk cId="2973885672" sldId="259"/>
+        </pc:sldMkLst>
+        <pc:graphicFrameChg chg="mod">
+          <ac:chgData name="之初 岑" userId="55d10636-356f-4a87-b8e0-85b86278c471" providerId="ADAL" clId="{C12C3A9E-D8F2-49D2-952B-6A916F1CC165}" dt="2023-09-02T13:42:06.461" v="1" actId="1076"/>
+          <ac:graphicFrameMkLst>
+            <pc:docMk/>
+            <pc:sldMk cId="2973885672" sldId="259"/>
+            <ac:graphicFrameMk id="4" creationId="{FF71C17B-167D-4749-9E94-6827AEA3FE5E}"/>
+          </ac:graphicFrameMkLst>
+        </pc:graphicFrameChg>
+      </pc:sldChg>
+      <pc:sldChg chg="modSp mod">
+        <pc:chgData name="之初 岑" userId="55d10636-356f-4a87-b8e0-85b86278c471" providerId="ADAL" clId="{C12C3A9E-D8F2-49D2-952B-6A916F1CC165}" dt="2023-09-02T13:42:11.206" v="2" actId="1076"/>
+        <pc:sldMkLst>
+          <pc:docMk/>
+          <pc:sldMk cId="1646701365" sldId="260"/>
+        </pc:sldMkLst>
+        <pc:graphicFrameChg chg="mod">
+          <ac:chgData name="之初 岑" userId="55d10636-356f-4a87-b8e0-85b86278c471" providerId="ADAL" clId="{C12C3A9E-D8F2-49D2-952B-6A916F1CC165}" dt="2023-09-02T13:42:11.206" v="2" actId="1076"/>
+          <ac:graphicFrameMkLst>
+            <pc:docMk/>
+            <pc:sldMk cId="1646701365" sldId="260"/>
+            <ac:graphicFrameMk id="4" creationId="{FF71C17B-167D-4749-9E94-6827AEA3FE5E}"/>
+          </ac:graphicFrameMkLst>
+        </pc:graphicFrameChg>
+      </pc:sldChg>
+      <pc:sldChg chg="modSp mod">
+        <pc:chgData name="之初 岑" userId="55d10636-356f-4a87-b8e0-85b86278c471" providerId="ADAL" clId="{C12C3A9E-D8F2-49D2-952B-6A916F1CC165}" dt="2023-09-02T13:42:15.534" v="3" actId="1076"/>
+        <pc:sldMkLst>
+          <pc:docMk/>
+          <pc:sldMk cId="3892256782" sldId="261"/>
+        </pc:sldMkLst>
+        <pc:graphicFrameChg chg="mod">
+          <ac:chgData name="之初 岑" userId="55d10636-356f-4a87-b8e0-85b86278c471" providerId="ADAL" clId="{C12C3A9E-D8F2-49D2-952B-6A916F1CC165}" dt="2023-09-02T13:42:15.534" v="3" actId="1076"/>
+          <ac:graphicFrameMkLst>
+            <pc:docMk/>
+            <pc:sldMk cId="3892256782" sldId="261"/>
+            <ac:graphicFrameMk id="4" creationId="{FF71C17B-167D-4749-9E94-6827AEA3FE5E}"/>
+          </ac:graphicFrameMkLst>
+        </pc:graphicFrameChg>
+      </pc:sldChg>
+      <pc:sldChg chg="modSp mod">
+        <pc:chgData name="之初 岑" userId="55d10636-356f-4a87-b8e0-85b86278c471" providerId="ADAL" clId="{C12C3A9E-D8F2-49D2-952B-6A916F1CC165}" dt="2023-09-02T13:42:21.351" v="4" actId="1076"/>
+        <pc:sldMkLst>
+          <pc:docMk/>
+          <pc:sldMk cId="3206407994" sldId="262"/>
+        </pc:sldMkLst>
+        <pc:graphicFrameChg chg="mod">
+          <ac:chgData name="之初 岑" userId="55d10636-356f-4a87-b8e0-85b86278c471" providerId="ADAL" clId="{C12C3A9E-D8F2-49D2-952B-6A916F1CC165}" dt="2023-09-02T13:42:21.351" v="4" actId="1076"/>
+          <ac:graphicFrameMkLst>
+            <pc:docMk/>
+            <pc:sldMk cId="3206407994" sldId="262"/>
+            <ac:graphicFrameMk id="4" creationId="{FF71C17B-167D-4749-9E94-6827AEA3FE5E}"/>
+          </ac:graphicFrameMkLst>
+        </pc:graphicFrameChg>
+      </pc:sldChg>
+    </pc:docChg>
+  </pc:docChgLst>
+</pc:chgInfo>
+</file>
+
 <file path=ppt/slideLayouts/slideLayout1.xml><?xml version="1.0" encoding="utf-8"?>
 <p:sldLayout xmlns:a="http://schemas.openxmlformats.org/drawingml/2006/main" xmlns:r="http://schemas.openxmlformats.org/officeDocument/2006/relationships" xmlns:p="http://schemas.openxmlformats.org/presentationml/2006/main" type="title" preserve="1">
   <p:cSld name="标题幻灯片">
@@ -264,7 +352,7 @@
           <a:p>
             <a:fld id="{F267586B-2027-4D64-BBEB-989F8B5FE0C4}" type="datetimeFigureOut">
               <a:rPr lang="zh-CN" altLang="en-US" smtClean="0"/>
-              <a:t>2023/5/8</a:t>
+              <a:t>2023/9/2</a:t>
             </a:fld>
             <a:endParaRPr lang="zh-CN" altLang="en-US"/>
           </a:p>
@@ -462,7 +550,7 @@
           <a:p>
             <a:fld id="{F267586B-2027-4D64-BBEB-989F8B5FE0C4}" type="datetimeFigureOut">
               <a:rPr lang="zh-CN" altLang="en-US" smtClean="0"/>
-              <a:t>2023/5/8</a:t>
+              <a:t>2023/9/2</a:t>
             </a:fld>
             <a:endParaRPr lang="zh-CN" altLang="en-US"/>
           </a:p>
@@ -670,7 +758,7 @@
           <a:p>
             <a:fld id="{F267586B-2027-4D64-BBEB-989F8B5FE0C4}" type="datetimeFigureOut">
               <a:rPr lang="zh-CN" altLang="en-US" smtClean="0"/>
-              <a:t>2023/5/8</a:t>
+              <a:t>2023/9/2</a:t>
             </a:fld>
             <a:endParaRPr lang="zh-CN" altLang="en-US"/>
           </a:p>
@@ -868,7 +956,7 @@
           <a:p>
             <a:fld id="{F267586B-2027-4D64-BBEB-989F8B5FE0C4}" type="datetimeFigureOut">
               <a:rPr lang="zh-CN" altLang="en-US" smtClean="0"/>
-              <a:t>2023/5/8</a:t>
+              <a:t>2023/9/2</a:t>
             </a:fld>
             <a:endParaRPr lang="zh-CN" altLang="en-US"/>
           </a:p>
@@ -1143,7 +1231,7 @@
           <a:p>
             <a:fld id="{F267586B-2027-4D64-BBEB-989F8B5FE0C4}" type="datetimeFigureOut">
               <a:rPr lang="zh-CN" altLang="en-US" smtClean="0"/>
-              <a:t>2023/5/8</a:t>
+              <a:t>2023/9/2</a:t>
             </a:fld>
             <a:endParaRPr lang="zh-CN" altLang="en-US"/>
           </a:p>
@@ -1408,7 +1496,7 @@
           <a:p>
             <a:fld id="{F267586B-2027-4D64-BBEB-989F8B5FE0C4}" type="datetimeFigureOut">
               <a:rPr lang="zh-CN" altLang="en-US" smtClean="0"/>
-              <a:t>2023/5/8</a:t>
+              <a:t>2023/9/2</a:t>
             </a:fld>
             <a:endParaRPr lang="zh-CN" altLang="en-US"/>
           </a:p>
@@ -1820,7 +1908,7 @@
           <a:p>
             <a:fld id="{F267586B-2027-4D64-BBEB-989F8B5FE0C4}" type="datetimeFigureOut">
               <a:rPr lang="zh-CN" altLang="en-US" smtClean="0"/>
-              <a:t>2023/5/8</a:t>
+              <a:t>2023/9/2</a:t>
             </a:fld>
             <a:endParaRPr lang="zh-CN" altLang="en-US"/>
           </a:p>
@@ -1961,7 +2049,7 @@
           <a:p>
             <a:fld id="{F267586B-2027-4D64-BBEB-989F8B5FE0C4}" type="datetimeFigureOut">
               <a:rPr lang="zh-CN" altLang="en-US" smtClean="0"/>
-              <a:t>2023/5/8</a:t>
+              <a:t>2023/9/2</a:t>
             </a:fld>
             <a:endParaRPr lang="zh-CN" altLang="en-US"/>
           </a:p>
@@ -2074,7 +2162,7 @@
           <a:p>
             <a:fld id="{F267586B-2027-4D64-BBEB-989F8B5FE0C4}" type="datetimeFigureOut">
               <a:rPr lang="zh-CN" altLang="en-US" smtClean="0"/>
-              <a:t>2023/5/8</a:t>
+              <a:t>2023/9/2</a:t>
             </a:fld>
             <a:endParaRPr lang="zh-CN" altLang="en-US"/>
           </a:p>
@@ -2385,7 +2473,7 @@
           <a:p>
             <a:fld id="{F267586B-2027-4D64-BBEB-989F8B5FE0C4}" type="datetimeFigureOut">
               <a:rPr lang="zh-CN" altLang="en-US" smtClean="0"/>
-              <a:t>2023/5/8</a:t>
+              <a:t>2023/9/2</a:t>
             </a:fld>
             <a:endParaRPr lang="zh-CN" altLang="en-US"/>
           </a:p>
@@ -2673,7 +2761,7 @@
           <a:p>
             <a:fld id="{F267586B-2027-4D64-BBEB-989F8B5FE0C4}" type="datetimeFigureOut">
               <a:rPr lang="zh-CN" altLang="en-US" smtClean="0"/>
-              <a:t>2023/5/8</a:t>
+              <a:t>2023/9/2</a:t>
             </a:fld>
             <a:endParaRPr lang="zh-CN" altLang="en-US"/>
           </a:p>
@@ -2917,7 +3005,7 @@
           <a:p>
             <a:fld id="{F267586B-2027-4D64-BBEB-989F8B5FE0C4}" type="datetimeFigureOut">
               <a:rPr lang="zh-CN" altLang="en-US" smtClean="0"/>
-              <a:t>2023/5/8</a:t>
+              <a:t>2023/9/2</a:t>
             </a:fld>
             <a:endParaRPr lang="zh-CN" altLang="en-US"/>
           </a:p>
@@ -3349,14 +3437,14 @@
           <p:nvPr>
             <p:extLst>
               <p:ext uri="{D42A27DB-BD31-4B8C-83A1-F6EECF244321}">
-                <p14:modId xmlns:p14="http://schemas.microsoft.com/office/powerpoint/2010/main" val="1859835464"/>
+                <p14:modId xmlns:p14="http://schemas.microsoft.com/office/powerpoint/2010/main" val="3875798022"/>
               </p:ext>
             </p:extLst>
           </p:nvPr>
         </p:nvGraphicFramePr>
         <p:xfrm>
-          <a:off x="0" y="1574800"/>
-          <a:ext cx="2190307" cy="4450080"/>
+          <a:off x="0" y="1018540"/>
+          <a:ext cx="2190307" cy="4820920"/>
         </p:xfrm>
         <a:graphic>
           <a:graphicData uri="http://schemas.openxmlformats.org/drawingml/2006/table">
@@ -3393,7 +3481,7 @@
                       </a:r>
                     </a:p>
                   </a:txBody>
-                  <a:tcPr/>
+                  <a:tcPr anchor="ctr"/>
                 </a:tc>
                 <a:tc hMerge="1">
                   <a:txBody>
@@ -3417,6 +3505,43 @@
                     <a:bodyPr/>
                     <a:lstStyle/>
                     <a:p>
+                      <a:pPr algn="ctr"/>
+                      <a:r>
+                        <a:rPr lang="en-US" altLang="zh-CN" dirty="0"/>
+                        <a:t>07:20-08:00</a:t>
+                      </a:r>
+                      <a:endParaRPr lang="zh-CN" altLang="en-US" dirty="0"/>
+                    </a:p>
+                  </a:txBody>
+                  <a:tcPr anchor="ctr"/>
+                </a:tc>
+                <a:tc>
+                  <a:txBody>
+                    <a:bodyPr/>
+                    <a:lstStyle/>
+                    <a:p>
+                      <a:pPr algn="ctr"/>
+                      <a:r>
+                        <a:rPr lang="zh-CN" altLang="en-US" dirty="0"/>
+                        <a:t>英语</a:t>
+                      </a:r>
+                    </a:p>
+                  </a:txBody>
+                  <a:tcPr anchor="ctr"/>
+                </a:tc>
+                <a:extLst>
+                  <a:ext uri="{0D108BD9-81ED-4DB2-BD59-A6C34878D82A}">
+                    <a16:rowId xmlns:a16="http://schemas.microsoft.com/office/drawing/2014/main" val="2253246424"/>
+                  </a:ext>
+                </a:extLst>
+              </a:tr>
+              <a:tr h="370840">
+                <a:tc>
+                  <a:txBody>
+                    <a:bodyPr/>
+                    <a:lstStyle/>
+                    <a:p>
+                      <a:pPr algn="ctr"/>
                       <a:r>
                         <a:rPr lang="en-US" altLang="zh-CN" dirty="0"/>
                         <a:t>08:30-09:10</a:t>
@@ -3424,20 +3549,21 @@
                       <a:endParaRPr lang="zh-CN" altLang="en-US" dirty="0"/>
                     </a:p>
                   </a:txBody>
-                  <a:tcPr/>
-                </a:tc>
-                <a:tc>
-                  <a:txBody>
-                    <a:bodyPr/>
-                    <a:lstStyle/>
-                    <a:p>
+                  <a:tcPr anchor="ctr"/>
+                </a:tc>
+                <a:tc>
+                  <a:txBody>
+                    <a:bodyPr/>
+                    <a:lstStyle/>
+                    <a:p>
+                      <a:pPr algn="ctr"/>
                       <a:r>
                         <a:rPr lang="zh-CN" altLang="en-US" dirty="0"/>
-                        <a:t>英语</a:t>
-                      </a:r>
-                    </a:p>
-                  </a:txBody>
-                  <a:tcPr/>
+                        <a:t>语文</a:t>
+                      </a:r>
+                    </a:p>
+                  </a:txBody>
+                  <a:tcPr anchor="ctr"/>
                 </a:tc>
                 <a:extLst>
                   <a:ext uri="{0D108BD9-81ED-4DB2-BD59-A6C34878D82A}">
@@ -3451,26 +3577,28 @@
                     <a:bodyPr/>
                     <a:lstStyle/>
                     <a:p>
+                      <a:pPr algn="ctr"/>
                       <a:r>
                         <a:rPr lang="en-US" altLang="zh-CN" dirty="0"/>
                         <a:t>09:20-10:00</a:t>
                       </a:r>
                     </a:p>
                   </a:txBody>
-                  <a:tcPr/>
-                </a:tc>
-                <a:tc>
-                  <a:txBody>
-                    <a:bodyPr/>
-                    <a:lstStyle/>
-                    <a:p>
+                  <a:tcPr anchor="ctr"/>
+                </a:tc>
+                <a:tc>
+                  <a:txBody>
+                    <a:bodyPr/>
+                    <a:lstStyle/>
+                    <a:p>
+                      <a:pPr algn="ctr"/>
                       <a:r>
                         <a:rPr lang="en-US" altLang="zh-CN" dirty="0"/>
-                        <a:t>D1</a:t>
-                      </a:r>
-                    </a:p>
-                  </a:txBody>
-                  <a:tcPr/>
+                        <a:t>D3</a:t>
+                      </a:r>
+                    </a:p>
+                  </a:txBody>
+                  <a:tcPr anchor="ctr"/>
                 </a:tc>
                 <a:extLst>
                   <a:ext uri="{0D108BD9-81ED-4DB2-BD59-A6C34878D82A}">
@@ -3484,6 +3612,7 @@
                     <a:bodyPr/>
                     <a:lstStyle/>
                     <a:p>
+                      <a:pPr algn="ctr"/>
                       <a:r>
                         <a:rPr lang="en-US" altLang="zh-CN" dirty="0"/>
                         <a:t>10:20-11:00</a:t>
@@ -3491,13 +3620,14 @@
                       <a:endParaRPr lang="zh-CN" altLang="en-US" dirty="0"/>
                     </a:p>
                   </a:txBody>
-                  <a:tcPr/>
-                </a:tc>
-                <a:tc>
-                  <a:txBody>
-                    <a:bodyPr/>
-                    <a:lstStyle/>
-                    <a:p>
+                  <a:tcPr anchor="ctr"/>
+                </a:tc>
+                <a:tc>
+                  <a:txBody>
+                    <a:bodyPr/>
+                    <a:lstStyle/>
+                    <a:p>
+                      <a:pPr algn="ctr"/>
                       <a:r>
                         <a:rPr lang="en-US" altLang="zh-CN" dirty="0"/>
                         <a:t>D2</a:t>
@@ -3505,7 +3635,7 @@
                       <a:endParaRPr lang="zh-CN" altLang="en-US" dirty="0"/>
                     </a:p>
                   </a:txBody>
-                  <a:tcPr/>
+                  <a:tcPr anchor="ctr"/>
                 </a:tc>
                 <a:extLst>
                   <a:ext uri="{0D108BD9-81ED-4DB2-BD59-A6C34878D82A}">
@@ -3519,6 +3649,7 @@
                     <a:bodyPr/>
                     <a:lstStyle/>
                     <a:p>
+                      <a:pPr algn="ctr"/>
                       <a:r>
                         <a:rPr lang="en-US" altLang="zh-CN" dirty="0"/>
                         <a:t>11:10-11:50</a:t>
@@ -3526,20 +3657,22 @@
                       <a:endParaRPr lang="zh-CN" altLang="en-US" dirty="0"/>
                     </a:p>
                   </a:txBody>
-                  <a:tcPr/>
-                </a:tc>
-                <a:tc>
-                  <a:txBody>
-                    <a:bodyPr/>
-                    <a:lstStyle/>
-                    <a:p>
-                      <a:r>
-                        <a:rPr lang="zh-CN" altLang="en-US" dirty="0"/>
-                        <a:t>数学</a:t>
-                      </a:r>
-                    </a:p>
-                  </a:txBody>
-                  <a:tcPr/>
+                  <a:tcPr anchor="ctr"/>
+                </a:tc>
+                <a:tc>
+                  <a:txBody>
+                    <a:bodyPr/>
+                    <a:lstStyle/>
+                    <a:p>
+                      <a:pPr algn="ctr"/>
+                      <a:r>
+                        <a:rPr lang="en-US" altLang="zh-CN" dirty="0"/>
+                        <a:t>D1</a:t>
+                      </a:r>
+                      <a:endParaRPr lang="zh-CN" altLang="en-US" dirty="0"/>
+                    </a:p>
+                  </a:txBody>
+                  <a:tcPr anchor="ctr"/>
                 </a:tc>
                 <a:extLst>
                   <a:ext uri="{0D108BD9-81ED-4DB2-BD59-A6C34878D82A}">
@@ -3553,20 +3686,22 @@
                     <a:bodyPr/>
                     <a:lstStyle/>
                     <a:p>
-                      <a:endParaRPr lang="zh-CN" altLang="en-US" dirty="0"/>
-                    </a:p>
-                  </a:txBody>
-                  <a:tcPr/>
-                </a:tc>
-                <a:tc>
-                  <a:txBody>
-                    <a:bodyPr/>
-                    <a:lstStyle/>
-                    <a:p>
-                      <a:endParaRPr lang="zh-CN" altLang="en-US" dirty="0"/>
-                    </a:p>
-                  </a:txBody>
-                  <a:tcPr/>
+                      <a:pPr algn="ctr"/>
+                      <a:endParaRPr lang="zh-CN" altLang="en-US" dirty="0"/>
+                    </a:p>
+                  </a:txBody>
+                  <a:tcPr anchor="ctr"/>
+                </a:tc>
+                <a:tc>
+                  <a:txBody>
+                    <a:bodyPr/>
+                    <a:lstStyle/>
+                    <a:p>
+                      <a:pPr algn="ctr"/>
+                      <a:endParaRPr lang="zh-CN" altLang="en-US" dirty="0"/>
+                    </a:p>
+                  </a:txBody>
+                  <a:tcPr anchor="ctr"/>
                 </a:tc>
                 <a:extLst>
                   <a:ext uri="{0D108BD9-81ED-4DB2-BD59-A6C34878D82A}">
@@ -3580,6 +3715,7 @@
                     <a:bodyPr/>
                     <a:lstStyle/>
                     <a:p>
+                      <a:pPr algn="ctr"/>
                       <a:r>
                         <a:rPr lang="en-US" altLang="zh-CN" dirty="0"/>
                         <a:t>12:50-13:30</a:t>
@@ -3587,21 +3723,21 @@
                       <a:endParaRPr lang="zh-CN" altLang="en-US" dirty="0"/>
                     </a:p>
                   </a:txBody>
-                  <a:tcPr/>
-                </a:tc>
-                <a:tc>
-                  <a:txBody>
-                    <a:bodyPr/>
-                    <a:lstStyle/>
-                    <a:p>
-                      <a:r>
-                        <a:rPr lang="en-US" altLang="zh-CN" dirty="0"/>
-                        <a:t>H2</a:t>
-                      </a:r>
-                      <a:endParaRPr lang="zh-CN" altLang="en-US" dirty="0"/>
-                    </a:p>
-                  </a:txBody>
-                  <a:tcPr/>
+                  <a:tcPr anchor="ctr"/>
+                </a:tc>
+                <a:tc>
+                  <a:txBody>
+                    <a:bodyPr/>
+                    <a:lstStyle/>
+                    <a:p>
+                      <a:pPr algn="ctr"/>
+                      <a:r>
+                        <a:rPr lang="zh-CN" altLang="en-US" dirty="0"/>
+                        <a:t>体育</a:t>
+                      </a:r>
+                    </a:p>
+                  </a:txBody>
+                  <a:tcPr anchor="ctr"/>
                 </a:tc>
                 <a:extLst>
                   <a:ext uri="{0D108BD9-81ED-4DB2-BD59-A6C34878D82A}">
@@ -3615,6 +3751,7 @@
                     <a:bodyPr/>
                     <a:lstStyle/>
                     <a:p>
+                      <a:pPr algn="ctr"/>
                       <a:r>
                         <a:rPr lang="en-US" altLang="zh-CN" dirty="0"/>
                         <a:t>13:40-14:20</a:t>
@@ -3622,21 +3759,21 @@
                       <a:endParaRPr lang="zh-CN" altLang="en-US" dirty="0"/>
                     </a:p>
                   </a:txBody>
-                  <a:tcPr/>
-                </a:tc>
-                <a:tc>
-                  <a:txBody>
-                    <a:bodyPr/>
-                    <a:lstStyle/>
-                    <a:p>
-                      <a:r>
-                        <a:rPr lang="en-US" altLang="zh-CN" dirty="0"/>
-                        <a:t>D3</a:t>
-                      </a:r>
-                      <a:endParaRPr lang="zh-CN" altLang="en-US" dirty="0"/>
-                    </a:p>
-                  </a:txBody>
-                  <a:tcPr/>
+                  <a:tcPr anchor="ctr"/>
+                </a:tc>
+                <a:tc>
+                  <a:txBody>
+                    <a:bodyPr/>
+                    <a:lstStyle/>
+                    <a:p>
+                      <a:pPr algn="ctr"/>
+                      <a:r>
+                        <a:rPr lang="zh-CN" altLang="en-US" dirty="0"/>
+                        <a:t>英语</a:t>
+                      </a:r>
+                    </a:p>
+                  </a:txBody>
+                  <a:tcPr anchor="ctr"/>
                 </a:tc>
                 <a:extLst>
                   <a:ext uri="{0D108BD9-81ED-4DB2-BD59-A6C34878D82A}">
@@ -3650,6 +3787,7 @@
                     <a:bodyPr/>
                     <a:lstStyle/>
                     <a:p>
+                      <a:pPr algn="ctr"/>
                       <a:r>
                         <a:rPr lang="en-US" altLang="zh-CN" dirty="0"/>
                         <a:t>14:40-15:20</a:t>
@@ -3657,20 +3795,21 @@
                       <a:endParaRPr lang="zh-CN" altLang="en-US" dirty="0"/>
                     </a:p>
                   </a:txBody>
-                  <a:tcPr/>
-                </a:tc>
-                <a:tc>
-                  <a:txBody>
-                    <a:bodyPr/>
-                    <a:lstStyle/>
-                    <a:p>
+                  <a:tcPr anchor="ctr"/>
+                </a:tc>
+                <a:tc>
+                  <a:txBody>
+                    <a:bodyPr/>
+                    <a:lstStyle/>
+                    <a:p>
+                      <a:pPr algn="ctr"/>
                       <a:r>
                         <a:rPr lang="zh-CN" altLang="en-US" dirty="0"/>
-                        <a:t>体育</a:t>
-                      </a:r>
-                    </a:p>
-                  </a:txBody>
-                  <a:tcPr/>
+                        <a:t>数学</a:t>
+                      </a:r>
+                    </a:p>
+                  </a:txBody>
+                  <a:tcPr anchor="ctr"/>
                 </a:tc>
                 <a:extLst>
                   <a:ext uri="{0D108BD9-81ED-4DB2-BD59-A6C34878D82A}">
@@ -3678,33 +3817,43 @@
                   </a:ext>
                 </a:extLst>
               </a:tr>
-              <a:tr h="370840">
-                <a:tc>
-                  <a:txBody>
-                    <a:bodyPr/>
-                    <a:lstStyle/>
-                    <a:p>
+              <a:tr h="741680">
+                <a:tc>
+                  <a:txBody>
+                    <a:bodyPr/>
+                    <a:lstStyle/>
+                    <a:p>
+                      <a:pPr algn="ctr"/>
                       <a:r>
                         <a:rPr lang="en-US" altLang="zh-CN" dirty="0"/>
-                        <a:t>15:30-16:10</a:t>
-                      </a:r>
-                      <a:endParaRPr lang="zh-CN" altLang="en-US" dirty="0"/>
-                    </a:p>
-                  </a:txBody>
-                  <a:tcPr/>
-                </a:tc>
-                <a:tc>
-                  <a:txBody>
-                    <a:bodyPr/>
-                    <a:lstStyle/>
-                    <a:p>
+                        <a:t>15:30-17:00</a:t>
+                      </a:r>
+                      <a:endParaRPr lang="zh-CN" altLang="en-US" dirty="0"/>
+                    </a:p>
+                  </a:txBody>
+                  <a:tcPr anchor="ctr"/>
+                </a:tc>
+                <a:tc>
+                  <a:txBody>
+                    <a:bodyPr/>
+                    <a:lstStyle/>
+                    <a:p>
+                      <a:pPr algn="ctr"/>
                       <a:r>
                         <a:rPr lang="zh-CN" altLang="en-US" dirty="0"/>
                         <a:t>数学</a:t>
                       </a:r>
-                    </a:p>
-                  </a:txBody>
-                  <a:tcPr/>
+                      <a:endParaRPr lang="en-US" altLang="zh-CN" dirty="0"/>
+                    </a:p>
+                    <a:p>
+                      <a:pPr algn="ctr"/>
+                      <a:r>
+                        <a:rPr lang="zh-CN" altLang="en-US" dirty="0"/>
+                        <a:t>练习</a:t>
+                      </a:r>
+                    </a:p>
+                  </a:txBody>
+                  <a:tcPr anchor="ctr"/>
                 </a:tc>
                 <a:extLst>
                   <a:ext uri="{0D108BD9-81ED-4DB2-BD59-A6C34878D82A}">
@@ -3718,61 +3867,29 @@
                     <a:bodyPr/>
                     <a:lstStyle/>
                     <a:p>
+                      <a:pPr algn="ctr"/>
                       <a:r>
                         <a:rPr lang="en-US" altLang="zh-CN" dirty="0"/>
-                        <a:t>16:20-17:00</a:t>
-                      </a:r>
-                      <a:endParaRPr lang="zh-CN" altLang="en-US" dirty="0"/>
-                    </a:p>
-                  </a:txBody>
-                  <a:tcPr/>
-                </a:tc>
-                <a:tc>
-                  <a:txBody>
-                    <a:bodyPr/>
-                    <a:lstStyle/>
-                    <a:p>
+                        <a:t>18:00-19:30</a:t>
+                      </a:r>
+                      <a:endParaRPr lang="zh-CN" altLang="en-US" dirty="0"/>
+                    </a:p>
+                  </a:txBody>
+                  <a:tcPr anchor="ctr"/>
+                </a:tc>
+                <a:tc>
+                  <a:txBody>
+                    <a:bodyPr/>
+                    <a:lstStyle/>
+                    <a:p>
+                      <a:pPr algn="ctr"/>
                       <a:r>
                         <a:rPr lang="zh-CN" altLang="en-US" dirty="0"/>
                         <a:t>英语</a:t>
                       </a:r>
                     </a:p>
                   </a:txBody>
-                  <a:tcPr/>
-                </a:tc>
-                <a:extLst>
-                  <a:ext uri="{0D108BD9-81ED-4DB2-BD59-A6C34878D82A}">
-                    <a16:rowId xmlns:a16="http://schemas.microsoft.com/office/drawing/2014/main" val="453279020"/>
-                  </a:ext>
-                </a:extLst>
-              </a:tr>
-              <a:tr h="370840">
-                <a:tc>
-                  <a:txBody>
-                    <a:bodyPr/>
-                    <a:lstStyle/>
-                    <a:p>
-                      <a:r>
-                        <a:rPr lang="en-US" altLang="zh-CN" dirty="0"/>
-                        <a:t>18:00-19:30</a:t>
-                      </a:r>
-                      <a:endParaRPr lang="zh-CN" altLang="en-US" dirty="0"/>
-                    </a:p>
-                  </a:txBody>
-                  <a:tcPr/>
-                </a:tc>
-                <a:tc>
-                  <a:txBody>
-                    <a:bodyPr/>
-                    <a:lstStyle/>
-                    <a:p>
-                      <a:r>
-                        <a:rPr lang="zh-CN" altLang="en-US" dirty="0"/>
-                        <a:t>语文</a:t>
-                      </a:r>
-                    </a:p>
-                  </a:txBody>
-                  <a:tcPr/>
+                  <a:tcPr anchor="ctr"/>
                 </a:tc>
                 <a:extLst>
                   <a:ext uri="{0D108BD9-81ED-4DB2-BD59-A6C34878D82A}">
@@ -3816,10 +3933,10 @@
       </p:grpSpPr>
       <p:graphicFrame>
         <p:nvGraphicFramePr>
-          <p:cNvPr id="2" name="表格 5">
-            <a:extLst>
-              <a:ext uri="{FF2B5EF4-FFF2-40B4-BE49-F238E27FC236}">
-                <a16:creationId xmlns:a16="http://schemas.microsoft.com/office/drawing/2014/main" id="{D4BDBE4D-B4B9-A1C2-5B31-32360FAD32B8}"/>
+          <p:cNvPr id="4" name="表格 5">
+            <a:extLst>
+              <a:ext uri="{FF2B5EF4-FFF2-40B4-BE49-F238E27FC236}">
+                <a16:creationId xmlns:a16="http://schemas.microsoft.com/office/drawing/2014/main" id="{FF71C17B-167D-4749-9E94-6827AEA3FE5E}"/>
               </a:ext>
             </a:extLst>
           </p:cNvPr>
@@ -3829,14 +3946,14 @@
           <p:nvPr>
             <p:extLst>
               <p:ext uri="{D42A27DB-BD31-4B8C-83A1-F6EECF244321}">
-                <p14:modId xmlns:p14="http://schemas.microsoft.com/office/powerpoint/2010/main" val="3425681410"/>
+                <p14:modId xmlns:p14="http://schemas.microsoft.com/office/powerpoint/2010/main" val="974385909"/>
               </p:ext>
             </p:extLst>
           </p:nvPr>
         </p:nvGraphicFramePr>
         <p:xfrm>
-          <a:off x="0" y="1574800"/>
-          <a:ext cx="2190307" cy="4450080"/>
+          <a:off x="0" y="1018540"/>
+          <a:ext cx="2190307" cy="4820920"/>
         </p:xfrm>
         <a:graphic>
           <a:graphicData uri="http://schemas.openxmlformats.org/drawingml/2006/table">
@@ -3873,7 +3990,7 @@
                       </a:r>
                     </a:p>
                   </a:txBody>
-                  <a:tcPr/>
+                  <a:tcPr anchor="ctr"/>
                 </a:tc>
                 <a:tc hMerge="1">
                   <a:txBody>
@@ -3887,7 +4004,7 @@
                 </a:tc>
                 <a:extLst>
                   <a:ext uri="{0D108BD9-81ED-4DB2-BD59-A6C34878D82A}">
-                    <a16:rowId xmlns:a16="http://schemas.microsoft.com/office/drawing/2014/main" val="3494945908"/>
+                    <a16:rowId xmlns:a16="http://schemas.microsoft.com/office/drawing/2014/main" val="2528676042"/>
                   </a:ext>
                 </a:extLst>
               </a:tr>
@@ -3897,6 +4014,43 @@
                     <a:bodyPr/>
                     <a:lstStyle/>
                     <a:p>
+                      <a:pPr algn="ctr"/>
+                      <a:r>
+                        <a:rPr lang="en-US" altLang="zh-CN" dirty="0"/>
+                        <a:t>07:20-08:00</a:t>
+                      </a:r>
+                      <a:endParaRPr lang="zh-CN" altLang="en-US" dirty="0"/>
+                    </a:p>
+                  </a:txBody>
+                  <a:tcPr anchor="ctr"/>
+                </a:tc>
+                <a:tc>
+                  <a:txBody>
+                    <a:bodyPr/>
+                    <a:lstStyle/>
+                    <a:p>
+                      <a:pPr algn="ctr"/>
+                      <a:r>
+                        <a:rPr lang="zh-CN" altLang="en-US" dirty="0"/>
+                        <a:t>语文</a:t>
+                      </a:r>
+                    </a:p>
+                  </a:txBody>
+                  <a:tcPr anchor="ctr"/>
+                </a:tc>
+                <a:extLst>
+                  <a:ext uri="{0D108BD9-81ED-4DB2-BD59-A6C34878D82A}">
+                    <a16:rowId xmlns:a16="http://schemas.microsoft.com/office/drawing/2014/main" val="2253246424"/>
+                  </a:ext>
+                </a:extLst>
+              </a:tr>
+              <a:tr h="370840">
+                <a:tc>
+                  <a:txBody>
+                    <a:bodyPr/>
+                    <a:lstStyle/>
+                    <a:p>
+                      <a:pPr algn="ctr"/>
                       <a:r>
                         <a:rPr lang="en-US" altLang="zh-CN" dirty="0"/>
                         <a:t>08:30-09:10</a:t>
@@ -3904,20 +4058,21 @@
                       <a:endParaRPr lang="zh-CN" altLang="en-US" dirty="0"/>
                     </a:p>
                   </a:txBody>
-                  <a:tcPr/>
-                </a:tc>
-                <a:tc>
-                  <a:txBody>
-                    <a:bodyPr/>
-                    <a:lstStyle/>
-                    <a:p>
+                  <a:tcPr anchor="ctr"/>
+                </a:tc>
+                <a:tc>
+                  <a:txBody>
+                    <a:bodyPr/>
+                    <a:lstStyle/>
+                    <a:p>
+                      <a:pPr algn="ctr"/>
                       <a:r>
                         <a:rPr lang="zh-CN" altLang="en-US" dirty="0"/>
-                        <a:t>数学</a:t>
-                      </a:r>
-                    </a:p>
-                  </a:txBody>
-                  <a:tcPr/>
+                        <a:t>英语</a:t>
+                      </a:r>
+                    </a:p>
+                  </a:txBody>
+                  <a:tcPr anchor="ctr"/>
                 </a:tc>
                 <a:extLst>
                   <a:ext uri="{0D108BD9-81ED-4DB2-BD59-A6C34878D82A}">
@@ -3931,19 +4086,21 @@
                     <a:bodyPr/>
                     <a:lstStyle/>
                     <a:p>
+                      <a:pPr algn="ctr"/>
                       <a:r>
                         <a:rPr lang="en-US" altLang="zh-CN" dirty="0"/>
                         <a:t>09:20-10:00</a:t>
                       </a:r>
                     </a:p>
                   </a:txBody>
-                  <a:tcPr/>
-                </a:tc>
-                <a:tc>
-                  <a:txBody>
-                    <a:bodyPr/>
-                    <a:lstStyle/>
-                    <a:p>
+                  <a:tcPr anchor="ctr"/>
+                </a:tc>
+                <a:tc>
+                  <a:txBody>
+                    <a:bodyPr/>
+                    <a:lstStyle/>
+                    <a:p>
+                      <a:pPr algn="ctr"/>
                       <a:r>
                         <a:rPr lang="zh-CN" altLang="en-US" dirty="0"/>
                         <a:t>英语</a:t>
@@ -3951,7 +4108,7 @@
                       <a:endParaRPr lang="en-US" altLang="zh-CN" dirty="0"/>
                     </a:p>
                   </a:txBody>
-                  <a:tcPr/>
+                  <a:tcPr anchor="ctr"/>
                 </a:tc>
                 <a:extLst>
                   <a:ext uri="{0D108BD9-81ED-4DB2-BD59-A6C34878D82A}">
@@ -3965,6 +4122,7 @@
                     <a:bodyPr/>
                     <a:lstStyle/>
                     <a:p>
+                      <a:pPr algn="ctr"/>
                       <a:r>
                         <a:rPr lang="en-US" altLang="zh-CN" dirty="0"/>
                         <a:t>10:20-11:00</a:t>
@@ -3972,21 +4130,22 @@
                       <a:endParaRPr lang="zh-CN" altLang="en-US" dirty="0"/>
                     </a:p>
                   </a:txBody>
-                  <a:tcPr/>
-                </a:tc>
-                <a:tc>
-                  <a:txBody>
-                    <a:bodyPr/>
-                    <a:lstStyle/>
-                    <a:p>
+                  <a:tcPr anchor="ctr"/>
+                </a:tc>
+                <a:tc>
+                  <a:txBody>
+                    <a:bodyPr/>
+                    <a:lstStyle/>
+                    <a:p>
+                      <a:pPr algn="ctr"/>
                       <a:r>
                         <a:rPr lang="en-US" altLang="zh-CN" dirty="0"/>
-                        <a:t>D3</a:t>
-                      </a:r>
-                      <a:endParaRPr lang="zh-CN" altLang="en-US" dirty="0"/>
-                    </a:p>
-                  </a:txBody>
-                  <a:tcPr/>
+                        <a:t>D1</a:t>
+                      </a:r>
+                      <a:endParaRPr lang="zh-CN" altLang="en-US" dirty="0"/>
+                    </a:p>
+                  </a:txBody>
+                  <a:tcPr anchor="ctr"/>
                 </a:tc>
                 <a:extLst>
                   <a:ext uri="{0D108BD9-81ED-4DB2-BD59-A6C34878D82A}">
@@ -4000,6 +4159,7 @@
                     <a:bodyPr/>
                     <a:lstStyle/>
                     <a:p>
+                      <a:pPr algn="ctr"/>
                       <a:r>
                         <a:rPr lang="en-US" altLang="zh-CN" dirty="0"/>
                         <a:t>11:10-11:50</a:t>
@@ -4007,20 +4167,21 @@
                       <a:endParaRPr lang="zh-CN" altLang="en-US" dirty="0"/>
                     </a:p>
                   </a:txBody>
-                  <a:tcPr/>
-                </a:tc>
-                <a:tc>
-                  <a:txBody>
-                    <a:bodyPr/>
-                    <a:lstStyle/>
-                    <a:p>
+                  <a:tcPr anchor="ctr"/>
+                </a:tc>
+                <a:tc>
+                  <a:txBody>
+                    <a:bodyPr/>
+                    <a:lstStyle/>
+                    <a:p>
+                      <a:pPr algn="ctr"/>
                       <a:r>
                         <a:rPr lang="zh-CN" altLang="en-US" dirty="0"/>
-                        <a:t>艺术</a:t>
-                      </a:r>
-                    </a:p>
-                  </a:txBody>
-                  <a:tcPr/>
+                        <a:t>数学</a:t>
+                      </a:r>
+                    </a:p>
+                  </a:txBody>
+                  <a:tcPr anchor="ctr"/>
                 </a:tc>
                 <a:extLst>
                   <a:ext uri="{0D108BD9-81ED-4DB2-BD59-A6C34878D82A}">
@@ -4034,20 +4195,22 @@
                     <a:bodyPr/>
                     <a:lstStyle/>
                     <a:p>
-                      <a:endParaRPr lang="zh-CN" altLang="en-US" dirty="0"/>
-                    </a:p>
-                  </a:txBody>
-                  <a:tcPr/>
-                </a:tc>
-                <a:tc>
-                  <a:txBody>
-                    <a:bodyPr/>
-                    <a:lstStyle/>
-                    <a:p>
-                      <a:endParaRPr lang="zh-CN" altLang="en-US" dirty="0"/>
-                    </a:p>
-                  </a:txBody>
-                  <a:tcPr/>
+                      <a:pPr algn="ctr"/>
+                      <a:endParaRPr lang="zh-CN" altLang="en-US" dirty="0"/>
+                    </a:p>
+                  </a:txBody>
+                  <a:tcPr anchor="ctr"/>
+                </a:tc>
+                <a:tc>
+                  <a:txBody>
+                    <a:bodyPr/>
+                    <a:lstStyle/>
+                    <a:p>
+                      <a:pPr algn="ctr"/>
+                      <a:endParaRPr lang="zh-CN" altLang="en-US" dirty="0"/>
+                    </a:p>
+                  </a:txBody>
+                  <a:tcPr anchor="ctr"/>
                 </a:tc>
                 <a:extLst>
                   <a:ext uri="{0D108BD9-81ED-4DB2-BD59-A6C34878D82A}">
@@ -4061,6 +4224,7 @@
                     <a:bodyPr/>
                     <a:lstStyle/>
                     <a:p>
+                      <a:pPr algn="ctr"/>
                       <a:r>
                         <a:rPr lang="en-US" altLang="zh-CN" dirty="0"/>
                         <a:t>12:50-13:30</a:t>
@@ -4068,21 +4232,22 @@
                       <a:endParaRPr lang="zh-CN" altLang="en-US" dirty="0"/>
                     </a:p>
                   </a:txBody>
-                  <a:tcPr/>
-                </a:tc>
-                <a:tc>
-                  <a:txBody>
-                    <a:bodyPr/>
-                    <a:lstStyle/>
-                    <a:p>
+                  <a:tcPr anchor="ctr"/>
+                </a:tc>
+                <a:tc>
+                  <a:txBody>
+                    <a:bodyPr/>
+                    <a:lstStyle/>
+                    <a:p>
+                      <a:pPr algn="ctr"/>
                       <a:r>
                         <a:rPr lang="en-US" altLang="zh-CN" dirty="0"/>
-                        <a:t>D1</a:t>
-                      </a:r>
-                      <a:endParaRPr lang="zh-CN" altLang="en-US" dirty="0"/>
-                    </a:p>
-                  </a:txBody>
-                  <a:tcPr/>
+                        <a:t>D2</a:t>
+                      </a:r>
+                      <a:endParaRPr lang="zh-CN" altLang="en-US" dirty="0"/>
+                    </a:p>
+                  </a:txBody>
+                  <a:tcPr anchor="ctr"/>
                 </a:tc>
                 <a:extLst>
                   <a:ext uri="{0D108BD9-81ED-4DB2-BD59-A6C34878D82A}">
@@ -4096,6 +4261,7 @@
                     <a:bodyPr/>
                     <a:lstStyle/>
                     <a:p>
+                      <a:pPr algn="ctr"/>
                       <a:r>
                         <a:rPr lang="en-US" altLang="zh-CN" dirty="0"/>
                         <a:t>13:40-14:20</a:t>
@@ -4103,20 +4269,22 @@
                       <a:endParaRPr lang="zh-CN" altLang="en-US" dirty="0"/>
                     </a:p>
                   </a:txBody>
-                  <a:tcPr/>
-                </a:tc>
-                <a:tc>
-                  <a:txBody>
-                    <a:bodyPr/>
-                    <a:lstStyle/>
-                    <a:p>
-                      <a:r>
-                        <a:rPr lang="zh-CN" altLang="en-US" dirty="0"/>
-                        <a:t>语文</a:t>
-                      </a:r>
-                    </a:p>
-                  </a:txBody>
-                  <a:tcPr/>
+                  <a:tcPr anchor="ctr"/>
+                </a:tc>
+                <a:tc>
+                  <a:txBody>
+                    <a:bodyPr/>
+                    <a:lstStyle/>
+                    <a:p>
+                      <a:pPr algn="ctr"/>
+                      <a:r>
+                        <a:rPr lang="en-US" altLang="zh-CN" dirty="0"/>
+                        <a:t>D3</a:t>
+                      </a:r>
+                      <a:endParaRPr lang="zh-CN" altLang="en-US" dirty="0"/>
+                    </a:p>
+                  </a:txBody>
+                  <a:tcPr anchor="ctr"/>
                 </a:tc>
                 <a:extLst>
                   <a:ext uri="{0D108BD9-81ED-4DB2-BD59-A6C34878D82A}">
@@ -4124,34 +4292,43 @@
                   </a:ext>
                 </a:extLst>
               </a:tr>
-              <a:tr h="370840">
-                <a:tc>
-                  <a:txBody>
-                    <a:bodyPr/>
-                    <a:lstStyle/>
-                    <a:p>
+              <a:tr h="1112520">
+                <a:tc>
+                  <a:txBody>
+                    <a:bodyPr/>
+                    <a:lstStyle/>
+                    <a:p>
+                      <a:pPr algn="ctr"/>
                       <a:r>
                         <a:rPr lang="en-US" altLang="zh-CN" dirty="0"/>
-                        <a:t>14:40-15:20</a:t>
-                      </a:r>
-                      <a:endParaRPr lang="zh-CN" altLang="en-US" dirty="0"/>
-                    </a:p>
-                  </a:txBody>
-                  <a:tcPr/>
-                </a:tc>
-                <a:tc>
-                  <a:txBody>
-                    <a:bodyPr/>
-                    <a:lstStyle/>
-                    <a:p>
-                      <a:r>
-                        <a:rPr lang="en-US" altLang="zh-CN" dirty="0"/>
-                        <a:t>D2</a:t>
-                      </a:r>
-                      <a:endParaRPr lang="zh-CN" altLang="en-US" dirty="0"/>
-                    </a:p>
-                  </a:txBody>
-                  <a:tcPr/>
+                        <a:t>14:40-17:00</a:t>
+                      </a:r>
+                      <a:endParaRPr lang="zh-CN" altLang="en-US" dirty="0"/>
+                    </a:p>
+                  </a:txBody>
+                  <a:tcPr anchor="ctr"/>
+                </a:tc>
+                <a:tc>
+                  <a:txBody>
+                    <a:bodyPr/>
+                    <a:lstStyle/>
+                    <a:p>
+                      <a:pPr algn="ctr"/>
+                      <a:r>
+                        <a:rPr lang="zh-CN" altLang="en-US" dirty="0"/>
+                        <a:t>选科</a:t>
+                      </a:r>
+                      <a:endParaRPr lang="en-US" altLang="zh-CN" dirty="0"/>
+                    </a:p>
+                    <a:p>
+                      <a:pPr algn="ctr"/>
+                      <a:r>
+                        <a:rPr lang="zh-CN" altLang="en-US" dirty="0"/>
+                        <a:t>练习</a:t>
+                      </a:r>
+                    </a:p>
+                  </a:txBody>
+                  <a:tcPr anchor="ctr"/>
                 </a:tc>
                 <a:extLst>
                   <a:ext uri="{0D108BD9-81ED-4DB2-BD59-A6C34878D82A}">
@@ -4165,100 +4342,33 @@
                     <a:bodyPr/>
                     <a:lstStyle/>
                     <a:p>
+                      <a:pPr algn="ctr"/>
                       <a:r>
                         <a:rPr lang="en-US" altLang="zh-CN" dirty="0"/>
-                        <a:t>15:30-16:10</a:t>
-                      </a:r>
-                      <a:endParaRPr lang="zh-CN" altLang="en-US" dirty="0"/>
-                    </a:p>
-                  </a:txBody>
-                  <a:tcPr/>
-                </a:tc>
-                <a:tc>
-                  <a:txBody>
-                    <a:bodyPr/>
-                    <a:lstStyle/>
-                    <a:p>
-                      <a:r>
-                        <a:rPr lang="en-US" altLang="zh-CN" dirty="0"/>
-                        <a:t>H3</a:t>
-                      </a:r>
-                      <a:endParaRPr lang="zh-CN" altLang="en-US" dirty="0"/>
-                    </a:p>
-                  </a:txBody>
-                  <a:tcPr/>
+                        <a:t>18:00-20:20</a:t>
+                      </a:r>
+                      <a:endParaRPr lang="zh-CN" altLang="en-US" dirty="0"/>
+                    </a:p>
+                  </a:txBody>
+                  <a:tcPr anchor="ctr"/>
+                </a:tc>
+                <a:tc>
+                  <a:txBody>
+                    <a:bodyPr/>
+                    <a:lstStyle/>
+                    <a:p>
+                      <a:pPr algn="ctr"/>
+                      <a:r>
+                        <a:rPr lang="zh-CN" altLang="en-US" dirty="0"/>
+                        <a:t>语文</a:t>
+                      </a:r>
+                    </a:p>
+                  </a:txBody>
+                  <a:tcPr anchor="ctr"/>
                 </a:tc>
                 <a:extLst>
                   <a:ext uri="{0D108BD9-81ED-4DB2-BD59-A6C34878D82A}">
-                    <a16:rowId xmlns:a16="http://schemas.microsoft.com/office/drawing/2014/main" val="1902781373"/>
-                  </a:ext>
-                </a:extLst>
-              </a:tr>
-              <a:tr h="370840">
-                <a:tc>
-                  <a:txBody>
-                    <a:bodyPr/>
-                    <a:lstStyle/>
-                    <a:p>
-                      <a:r>
-                        <a:rPr lang="en-US" altLang="zh-CN" dirty="0"/>
-                        <a:t>16:20-17:00</a:t>
-                      </a:r>
-                      <a:endParaRPr lang="zh-CN" altLang="en-US" dirty="0"/>
-                    </a:p>
-                  </a:txBody>
-                  <a:tcPr/>
-                </a:tc>
-                <a:tc>
-                  <a:txBody>
-                    <a:bodyPr/>
-                    <a:lstStyle/>
-                    <a:p>
-                      <a:r>
-                        <a:rPr lang="zh-CN" altLang="en-US" dirty="0"/>
-                        <a:t>社团</a:t>
-                      </a:r>
-                    </a:p>
-                  </a:txBody>
-                  <a:tcPr/>
-                </a:tc>
-                <a:extLst>
-                  <a:ext uri="{0D108BD9-81ED-4DB2-BD59-A6C34878D82A}">
-                    <a16:rowId xmlns:a16="http://schemas.microsoft.com/office/drawing/2014/main" val="453279020"/>
-                  </a:ext>
-                </a:extLst>
-              </a:tr>
-              <a:tr h="370840">
-                <a:tc>
-                  <a:txBody>
-                    <a:bodyPr/>
-                    <a:lstStyle/>
-                    <a:p>
-                      <a:r>
-                        <a:rPr lang="en-US" altLang="zh-CN" dirty="0"/>
-                        <a:t>18:00-19:30</a:t>
-                      </a:r>
-                      <a:endParaRPr lang="zh-CN" altLang="en-US" dirty="0"/>
-                    </a:p>
-                  </a:txBody>
-                  <a:tcPr/>
-                </a:tc>
-                <a:tc>
-                  <a:txBody>
-                    <a:bodyPr/>
-                    <a:lstStyle/>
-                    <a:p>
-                      <a:r>
-                        <a:rPr lang="zh-CN" altLang="en-US" dirty="0"/>
-                        <a:t>物化</a:t>
-                      </a:r>
-                    </a:p>
-                  </a:txBody>
-                  <a:tcPr/>
-                </a:tc>
-                <a:extLst>
-                  <a:ext uri="{0D108BD9-81ED-4DB2-BD59-A6C34878D82A}">
-                    <a16:rowId xmlns:a16="http://schemas.microsoft.com/office/drawing/2014/main" val="3876869601"/>
+                    <a16:rowId xmlns:a16="http://schemas.microsoft.com/office/drawing/2014/main" val="2571435325"/>
                   </a:ext>
                 </a:extLst>
               </a:tr>
@@ -4269,7 +4379,7 @@
     </p:spTree>
     <p:extLst>
       <p:ext uri="{BB962C8B-B14F-4D97-AF65-F5344CB8AC3E}">
-        <p14:creationId xmlns:p14="http://schemas.microsoft.com/office/powerpoint/2010/main" val="252566278"/>
+        <p14:creationId xmlns:p14="http://schemas.microsoft.com/office/powerpoint/2010/main" val="2973885672"/>
       </p:ext>
     </p:extLst>
   </p:cSld>
@@ -4298,10 +4408,10 @@
       </p:grpSpPr>
       <p:graphicFrame>
         <p:nvGraphicFramePr>
-          <p:cNvPr id="2" name="表格 5">
-            <a:extLst>
-              <a:ext uri="{FF2B5EF4-FFF2-40B4-BE49-F238E27FC236}">
-                <a16:creationId xmlns:a16="http://schemas.microsoft.com/office/drawing/2014/main" id="{6F349536-BA2C-ACB6-D428-1505DF2CDA46}"/>
+          <p:cNvPr id="4" name="表格 5">
+            <a:extLst>
+              <a:ext uri="{FF2B5EF4-FFF2-40B4-BE49-F238E27FC236}">
+                <a16:creationId xmlns:a16="http://schemas.microsoft.com/office/drawing/2014/main" id="{FF71C17B-167D-4749-9E94-6827AEA3FE5E}"/>
               </a:ext>
             </a:extLst>
           </p:cNvPr>
@@ -4311,14 +4421,14 @@
           <p:nvPr>
             <p:extLst>
               <p:ext uri="{D42A27DB-BD31-4B8C-83A1-F6EECF244321}">
-                <p14:modId xmlns:p14="http://schemas.microsoft.com/office/powerpoint/2010/main" val="1411945807"/>
+                <p14:modId xmlns:p14="http://schemas.microsoft.com/office/powerpoint/2010/main" val="1181137079"/>
               </p:ext>
             </p:extLst>
           </p:nvPr>
         </p:nvGraphicFramePr>
         <p:xfrm>
-          <a:off x="0" y="1574800"/>
-          <a:ext cx="2190307" cy="4450080"/>
+          <a:off x="0" y="1018540"/>
+          <a:ext cx="2190307" cy="4820920"/>
         </p:xfrm>
         <a:graphic>
           <a:graphicData uri="http://schemas.openxmlformats.org/drawingml/2006/table">
@@ -4355,7 +4465,7 @@
                       </a:r>
                     </a:p>
                   </a:txBody>
-                  <a:tcPr/>
+                  <a:tcPr anchor="ctr"/>
                 </a:tc>
                 <a:tc hMerge="1">
                   <a:txBody>
@@ -4369,7 +4479,7 @@
                 </a:tc>
                 <a:extLst>
                   <a:ext uri="{0D108BD9-81ED-4DB2-BD59-A6C34878D82A}">
-                    <a16:rowId xmlns:a16="http://schemas.microsoft.com/office/drawing/2014/main" val="1560123112"/>
+                    <a16:rowId xmlns:a16="http://schemas.microsoft.com/office/drawing/2014/main" val="2528676042"/>
                   </a:ext>
                 </a:extLst>
               </a:tr>
@@ -4379,6 +4489,43 @@
                     <a:bodyPr/>
                     <a:lstStyle/>
                     <a:p>
+                      <a:pPr algn="ctr"/>
+                      <a:r>
+                        <a:rPr lang="en-US" altLang="zh-CN" dirty="0"/>
+                        <a:t>07:20-08:00</a:t>
+                      </a:r>
+                      <a:endParaRPr lang="zh-CN" altLang="en-US" dirty="0"/>
+                    </a:p>
+                  </a:txBody>
+                  <a:tcPr anchor="ctr"/>
+                </a:tc>
+                <a:tc>
+                  <a:txBody>
+                    <a:bodyPr/>
+                    <a:lstStyle/>
+                    <a:p>
+                      <a:pPr algn="ctr"/>
+                      <a:r>
+                        <a:rPr lang="zh-CN" altLang="en-US" dirty="0"/>
+                        <a:t>语文</a:t>
+                      </a:r>
+                    </a:p>
+                  </a:txBody>
+                  <a:tcPr anchor="ctr"/>
+                </a:tc>
+                <a:extLst>
+                  <a:ext uri="{0D108BD9-81ED-4DB2-BD59-A6C34878D82A}">
+                    <a16:rowId xmlns:a16="http://schemas.microsoft.com/office/drawing/2014/main" val="2253246424"/>
+                  </a:ext>
+                </a:extLst>
+              </a:tr>
+              <a:tr h="370840">
+                <a:tc>
+                  <a:txBody>
+                    <a:bodyPr/>
+                    <a:lstStyle/>
+                    <a:p>
+                      <a:pPr algn="ctr"/>
                       <a:r>
                         <a:rPr lang="en-US" altLang="zh-CN" dirty="0"/>
                         <a:t>08:30-09:10</a:t>
@@ -4386,20 +4533,21 @@
                       <a:endParaRPr lang="zh-CN" altLang="en-US" dirty="0"/>
                     </a:p>
                   </a:txBody>
-                  <a:tcPr/>
-                </a:tc>
-                <a:tc>
-                  <a:txBody>
-                    <a:bodyPr/>
-                    <a:lstStyle/>
-                    <a:p>
+                  <a:tcPr anchor="ctr"/>
+                </a:tc>
+                <a:tc>
+                  <a:txBody>
+                    <a:bodyPr/>
+                    <a:lstStyle/>
+                    <a:p>
+                      <a:pPr algn="ctr"/>
                       <a:r>
                         <a:rPr lang="zh-CN" altLang="en-US" dirty="0"/>
-                        <a:t>英语</a:t>
-                      </a:r>
-                    </a:p>
-                  </a:txBody>
-                  <a:tcPr/>
+                        <a:t>数学</a:t>
+                      </a:r>
+                    </a:p>
+                  </a:txBody>
+                  <a:tcPr anchor="ctr"/>
                 </a:tc>
                 <a:extLst>
                   <a:ext uri="{0D108BD9-81ED-4DB2-BD59-A6C34878D82A}">
@@ -4413,19 +4561,21 @@
                     <a:bodyPr/>
                     <a:lstStyle/>
                     <a:p>
+                      <a:pPr algn="ctr"/>
                       <a:r>
                         <a:rPr lang="en-US" altLang="zh-CN" dirty="0"/>
                         <a:t>09:20-10:00</a:t>
                       </a:r>
                     </a:p>
                   </a:txBody>
-                  <a:tcPr/>
-                </a:tc>
-                <a:tc>
-                  <a:txBody>
-                    <a:bodyPr/>
-                    <a:lstStyle/>
-                    <a:p>
+                  <a:tcPr anchor="ctr"/>
+                </a:tc>
+                <a:tc>
+                  <a:txBody>
+                    <a:bodyPr/>
+                    <a:lstStyle/>
+                    <a:p>
+                      <a:pPr algn="ctr"/>
                       <a:r>
                         <a:rPr lang="zh-CN" altLang="en-US" dirty="0"/>
                         <a:t>数学</a:t>
@@ -4433,7 +4583,7 @@
                       <a:endParaRPr lang="en-US" altLang="zh-CN" dirty="0"/>
                     </a:p>
                   </a:txBody>
-                  <a:tcPr/>
+                  <a:tcPr anchor="ctr"/>
                 </a:tc>
                 <a:extLst>
                   <a:ext uri="{0D108BD9-81ED-4DB2-BD59-A6C34878D82A}">
@@ -4447,6 +4597,7 @@
                     <a:bodyPr/>
                     <a:lstStyle/>
                     <a:p>
+                      <a:pPr algn="ctr"/>
                       <a:r>
                         <a:rPr lang="en-US" altLang="zh-CN" dirty="0"/>
                         <a:t>10:20-11:00</a:t>
@@ -4454,20 +4605,21 @@
                       <a:endParaRPr lang="zh-CN" altLang="en-US" dirty="0"/>
                     </a:p>
                   </a:txBody>
-                  <a:tcPr/>
-                </a:tc>
-                <a:tc>
-                  <a:txBody>
-                    <a:bodyPr/>
-                    <a:lstStyle/>
-                    <a:p>
+                  <a:tcPr anchor="ctr"/>
+                </a:tc>
+                <a:tc>
+                  <a:txBody>
+                    <a:bodyPr/>
+                    <a:lstStyle/>
+                    <a:p>
+                      <a:pPr algn="ctr"/>
                       <a:r>
                         <a:rPr lang="zh-CN" altLang="en-US" dirty="0"/>
-                        <a:t>体育</a:t>
-                      </a:r>
-                    </a:p>
-                  </a:txBody>
-                  <a:tcPr/>
+                        <a:t>英语</a:t>
+                      </a:r>
+                    </a:p>
+                  </a:txBody>
+                  <a:tcPr anchor="ctr"/>
                 </a:tc>
                 <a:extLst>
                   <a:ext uri="{0D108BD9-81ED-4DB2-BD59-A6C34878D82A}">
@@ -4481,6 +4633,7 @@
                     <a:bodyPr/>
                     <a:lstStyle/>
                     <a:p>
+                      <a:pPr algn="ctr"/>
                       <a:r>
                         <a:rPr lang="en-US" altLang="zh-CN" dirty="0"/>
                         <a:t>11:10-11:50</a:t>
@@ -4488,20 +4641,21 @@
                       <a:endParaRPr lang="zh-CN" altLang="en-US" dirty="0"/>
                     </a:p>
                   </a:txBody>
-                  <a:tcPr/>
-                </a:tc>
-                <a:tc>
-                  <a:txBody>
-                    <a:bodyPr/>
-                    <a:lstStyle/>
-                    <a:p>
+                  <a:tcPr anchor="ctr"/>
+                </a:tc>
+                <a:tc>
+                  <a:txBody>
+                    <a:bodyPr/>
+                    <a:lstStyle/>
+                    <a:p>
+                      <a:pPr algn="ctr"/>
                       <a:r>
                         <a:rPr lang="zh-CN" altLang="en-US" dirty="0"/>
                         <a:t>英语</a:t>
                       </a:r>
                     </a:p>
                   </a:txBody>
-                  <a:tcPr/>
+                  <a:tcPr anchor="ctr"/>
                 </a:tc>
                 <a:extLst>
                   <a:ext uri="{0D108BD9-81ED-4DB2-BD59-A6C34878D82A}">
@@ -4515,20 +4669,22 @@
                     <a:bodyPr/>
                     <a:lstStyle/>
                     <a:p>
-                      <a:endParaRPr lang="zh-CN" altLang="en-US" dirty="0"/>
-                    </a:p>
-                  </a:txBody>
-                  <a:tcPr/>
-                </a:tc>
-                <a:tc>
-                  <a:txBody>
-                    <a:bodyPr/>
-                    <a:lstStyle/>
-                    <a:p>
-                      <a:endParaRPr lang="zh-CN" altLang="en-US" dirty="0"/>
-                    </a:p>
-                  </a:txBody>
-                  <a:tcPr/>
+                      <a:pPr algn="ctr"/>
+                      <a:endParaRPr lang="zh-CN" altLang="en-US" dirty="0"/>
+                    </a:p>
+                  </a:txBody>
+                  <a:tcPr anchor="ctr"/>
+                </a:tc>
+                <a:tc>
+                  <a:txBody>
+                    <a:bodyPr/>
+                    <a:lstStyle/>
+                    <a:p>
+                      <a:pPr algn="ctr"/>
+                      <a:endParaRPr lang="zh-CN" altLang="en-US" dirty="0"/>
+                    </a:p>
+                  </a:txBody>
+                  <a:tcPr anchor="ctr"/>
                 </a:tc>
                 <a:extLst>
                   <a:ext uri="{0D108BD9-81ED-4DB2-BD59-A6C34878D82A}">
@@ -4542,6 +4698,7 @@
                     <a:bodyPr/>
                     <a:lstStyle/>
                     <a:p>
+                      <a:pPr algn="ctr"/>
                       <a:r>
                         <a:rPr lang="en-US" altLang="zh-CN" dirty="0"/>
                         <a:t>12:50-13:30</a:t>
@@ -4549,21 +4706,21 @@
                       <a:endParaRPr lang="zh-CN" altLang="en-US" dirty="0"/>
                     </a:p>
                   </a:txBody>
-                  <a:tcPr/>
-                </a:tc>
-                <a:tc>
-                  <a:txBody>
-                    <a:bodyPr/>
-                    <a:lstStyle/>
-                    <a:p>
-                      <a:r>
-                        <a:rPr lang="en-US" altLang="zh-CN" dirty="0"/>
-                        <a:t>D1</a:t>
-                      </a:r>
-                      <a:endParaRPr lang="zh-CN" altLang="en-US" dirty="0"/>
-                    </a:p>
-                  </a:txBody>
-                  <a:tcPr/>
+                  <a:tcPr anchor="ctr"/>
+                </a:tc>
+                <a:tc>
+                  <a:txBody>
+                    <a:bodyPr/>
+                    <a:lstStyle/>
+                    <a:p>
+                      <a:pPr algn="ctr"/>
+                      <a:r>
+                        <a:rPr lang="zh-CN" altLang="en-US" dirty="0"/>
+                        <a:t>体育</a:t>
+                      </a:r>
+                    </a:p>
+                  </a:txBody>
+                  <a:tcPr anchor="ctr"/>
                 </a:tc>
                 <a:extLst>
                   <a:ext uri="{0D108BD9-81ED-4DB2-BD59-A6C34878D82A}">
@@ -4577,6 +4734,7 @@
                     <a:bodyPr/>
                     <a:lstStyle/>
                     <a:p>
+                      <a:pPr algn="ctr"/>
                       <a:r>
                         <a:rPr lang="en-US" altLang="zh-CN" dirty="0"/>
                         <a:t>13:40-14:20</a:t>
@@ -4584,21 +4742,21 @@
                       <a:endParaRPr lang="zh-CN" altLang="en-US" dirty="0"/>
                     </a:p>
                   </a:txBody>
-                  <a:tcPr/>
-                </a:tc>
-                <a:tc>
-                  <a:txBody>
-                    <a:bodyPr/>
-                    <a:lstStyle/>
-                    <a:p>
-                      <a:r>
-                        <a:rPr lang="en-US" altLang="zh-CN" dirty="0"/>
-                        <a:t>D3</a:t>
-                      </a:r>
-                      <a:endParaRPr lang="zh-CN" altLang="en-US" dirty="0"/>
-                    </a:p>
-                  </a:txBody>
-                  <a:tcPr/>
+                  <a:tcPr anchor="ctr"/>
+                </a:tc>
+                <a:tc>
+                  <a:txBody>
+                    <a:bodyPr/>
+                    <a:lstStyle/>
+                    <a:p>
+                      <a:pPr algn="ctr"/>
+                      <a:r>
+                        <a:rPr lang="zh-CN" altLang="en-US" dirty="0"/>
+                        <a:t>语文</a:t>
+                      </a:r>
+                    </a:p>
+                  </a:txBody>
+                  <a:tcPr anchor="ctr"/>
                 </a:tc>
                 <a:extLst>
                   <a:ext uri="{0D108BD9-81ED-4DB2-BD59-A6C34878D82A}">
@@ -4606,33 +4764,43 @@
                   </a:ext>
                 </a:extLst>
               </a:tr>
-              <a:tr h="370840">
-                <a:tc>
-                  <a:txBody>
-                    <a:bodyPr/>
-                    <a:lstStyle/>
-                    <a:p>
+              <a:tr h="1112520">
+                <a:tc>
+                  <a:txBody>
+                    <a:bodyPr/>
+                    <a:lstStyle/>
+                    <a:p>
+                      <a:pPr algn="ctr"/>
                       <a:r>
                         <a:rPr lang="en-US" altLang="zh-CN" dirty="0"/>
-                        <a:t>14:40-15:20</a:t>
-                      </a:r>
-                      <a:endParaRPr lang="zh-CN" altLang="en-US" dirty="0"/>
-                    </a:p>
-                  </a:txBody>
-                  <a:tcPr/>
-                </a:tc>
-                <a:tc>
-                  <a:txBody>
-                    <a:bodyPr/>
-                    <a:lstStyle/>
-                    <a:p>
+                        <a:t>14:40-17:00</a:t>
+                      </a:r>
+                      <a:endParaRPr lang="zh-CN" altLang="en-US" dirty="0"/>
+                    </a:p>
+                  </a:txBody>
+                  <a:tcPr anchor="ctr"/>
+                </a:tc>
+                <a:tc>
+                  <a:txBody>
+                    <a:bodyPr/>
+                    <a:lstStyle/>
+                    <a:p>
+                      <a:pPr algn="ctr"/>
                       <a:r>
                         <a:rPr lang="zh-CN" altLang="en-US" dirty="0"/>
                         <a:t>语文</a:t>
                       </a:r>
-                    </a:p>
-                  </a:txBody>
-                  <a:tcPr/>
+                      <a:endParaRPr lang="en-US" altLang="zh-CN" dirty="0"/>
+                    </a:p>
+                    <a:p>
+                      <a:pPr algn="ctr"/>
+                      <a:r>
+                        <a:rPr lang="zh-CN" altLang="en-US" dirty="0"/>
+                        <a:t>练习</a:t>
+                      </a:r>
+                    </a:p>
+                  </a:txBody>
+                  <a:tcPr anchor="ctr"/>
                 </a:tc>
                 <a:extLst>
                   <a:ext uri="{0D108BD9-81ED-4DB2-BD59-A6C34878D82A}">
@@ -4646,100 +4814,33 @@
                     <a:bodyPr/>
                     <a:lstStyle/>
                     <a:p>
+                      <a:pPr algn="ctr"/>
                       <a:r>
                         <a:rPr lang="en-US" altLang="zh-CN" dirty="0"/>
-                        <a:t>15:30-16:10</a:t>
-                      </a:r>
-                      <a:endParaRPr lang="zh-CN" altLang="en-US" dirty="0"/>
-                    </a:p>
-                  </a:txBody>
-                  <a:tcPr/>
-                </a:tc>
-                <a:tc>
-                  <a:txBody>
-                    <a:bodyPr/>
-                    <a:lstStyle/>
-                    <a:p>
-                      <a:r>
-                        <a:rPr lang="en-US" altLang="zh-CN" dirty="0"/>
-                        <a:t>D2</a:t>
-                      </a:r>
-                      <a:endParaRPr lang="zh-CN" altLang="en-US" dirty="0"/>
-                    </a:p>
-                  </a:txBody>
-                  <a:tcPr/>
+                        <a:t>18:00-19:30</a:t>
+                      </a:r>
+                      <a:endParaRPr lang="zh-CN" altLang="en-US" dirty="0"/>
+                    </a:p>
+                  </a:txBody>
+                  <a:tcPr anchor="ctr"/>
+                </a:tc>
+                <a:tc>
+                  <a:txBody>
+                    <a:bodyPr/>
+                    <a:lstStyle/>
+                    <a:p>
+                      <a:pPr algn="ctr"/>
+                      <a:r>
+                        <a:rPr lang="zh-CN" altLang="en-US" dirty="0"/>
+                        <a:t>选科</a:t>
+                      </a:r>
+                    </a:p>
+                  </a:txBody>
+                  <a:tcPr anchor="ctr"/>
                 </a:tc>
                 <a:extLst>
                   <a:ext uri="{0D108BD9-81ED-4DB2-BD59-A6C34878D82A}">
-                    <a16:rowId xmlns:a16="http://schemas.microsoft.com/office/drawing/2014/main" val="1902781373"/>
-                  </a:ext>
-                </a:extLst>
-              </a:tr>
-              <a:tr h="370840">
-                <a:tc>
-                  <a:txBody>
-                    <a:bodyPr/>
-                    <a:lstStyle/>
-                    <a:p>
-                      <a:r>
-                        <a:rPr lang="en-US" altLang="zh-CN" dirty="0"/>
-                        <a:t>16:20-17:00</a:t>
-                      </a:r>
-                      <a:endParaRPr lang="zh-CN" altLang="en-US" dirty="0"/>
-                    </a:p>
-                  </a:txBody>
-                  <a:tcPr/>
-                </a:tc>
-                <a:tc>
-                  <a:txBody>
-                    <a:bodyPr/>
-                    <a:lstStyle/>
-                    <a:p>
-                      <a:r>
-                        <a:rPr lang="zh-CN" altLang="en-US" dirty="0"/>
-                        <a:t>晨辉</a:t>
-                      </a:r>
-                    </a:p>
-                  </a:txBody>
-                  <a:tcPr/>
-                </a:tc>
-                <a:extLst>
-                  <a:ext uri="{0D108BD9-81ED-4DB2-BD59-A6C34878D82A}">
-                    <a16:rowId xmlns:a16="http://schemas.microsoft.com/office/drawing/2014/main" val="453279020"/>
-                  </a:ext>
-                </a:extLst>
-              </a:tr>
-              <a:tr h="370840">
-                <a:tc>
-                  <a:txBody>
-                    <a:bodyPr/>
-                    <a:lstStyle/>
-                    <a:p>
-                      <a:r>
-                        <a:rPr lang="en-US" altLang="zh-CN" dirty="0"/>
-                        <a:t>18:00-19:30</a:t>
-                      </a:r>
-                      <a:endParaRPr lang="zh-CN" altLang="en-US" dirty="0"/>
-                    </a:p>
-                  </a:txBody>
-                  <a:tcPr/>
-                </a:tc>
-                <a:tc>
-                  <a:txBody>
-                    <a:bodyPr/>
-                    <a:lstStyle/>
-                    <a:p>
-                      <a:r>
-                        <a:rPr lang="zh-CN" altLang="en-US" dirty="0"/>
-                        <a:t>数学</a:t>
-                      </a:r>
-                    </a:p>
-                  </a:txBody>
-                  <a:tcPr/>
-                </a:tc>
-                <a:extLst>
-                  <a:ext uri="{0D108BD9-81ED-4DB2-BD59-A6C34878D82A}">
-                    <a16:rowId xmlns:a16="http://schemas.microsoft.com/office/drawing/2014/main" val="2027791876"/>
+                    <a16:rowId xmlns:a16="http://schemas.microsoft.com/office/drawing/2014/main" val="2571435325"/>
                   </a:ext>
                 </a:extLst>
               </a:tr>
@@ -4750,7 +4851,7 @@
     </p:spTree>
     <p:extLst>
       <p:ext uri="{BB962C8B-B14F-4D97-AF65-F5344CB8AC3E}">
-        <p14:creationId xmlns:p14="http://schemas.microsoft.com/office/powerpoint/2010/main" val="116470122"/>
+        <p14:creationId xmlns:p14="http://schemas.microsoft.com/office/powerpoint/2010/main" val="1646701365"/>
       </p:ext>
     </p:extLst>
   </p:cSld>
@@ -4779,10 +4880,10 @@
       </p:grpSpPr>
       <p:graphicFrame>
         <p:nvGraphicFramePr>
-          <p:cNvPr id="2" name="表格 5">
-            <a:extLst>
-              <a:ext uri="{FF2B5EF4-FFF2-40B4-BE49-F238E27FC236}">
-                <a16:creationId xmlns:a16="http://schemas.microsoft.com/office/drawing/2014/main" id="{2712895D-6199-7E4C-416E-D6AB57258DE4}"/>
+          <p:cNvPr id="4" name="表格 5">
+            <a:extLst>
+              <a:ext uri="{FF2B5EF4-FFF2-40B4-BE49-F238E27FC236}">
+                <a16:creationId xmlns:a16="http://schemas.microsoft.com/office/drawing/2014/main" id="{FF71C17B-167D-4749-9E94-6827AEA3FE5E}"/>
               </a:ext>
             </a:extLst>
           </p:cNvPr>
@@ -4792,14 +4893,14 @@
           <p:nvPr>
             <p:extLst>
               <p:ext uri="{D42A27DB-BD31-4B8C-83A1-F6EECF244321}">
-                <p14:modId xmlns:p14="http://schemas.microsoft.com/office/powerpoint/2010/main" val="3140103662"/>
+                <p14:modId xmlns:p14="http://schemas.microsoft.com/office/powerpoint/2010/main" val="2252931100"/>
               </p:ext>
             </p:extLst>
           </p:nvPr>
         </p:nvGraphicFramePr>
         <p:xfrm>
-          <a:off x="0" y="1574800"/>
-          <a:ext cx="2190307" cy="4450080"/>
+          <a:off x="0" y="1018540"/>
+          <a:ext cx="2190307" cy="4820920"/>
         </p:xfrm>
         <a:graphic>
           <a:graphicData uri="http://schemas.openxmlformats.org/drawingml/2006/table">
@@ -4836,7 +4937,7 @@
                       </a:r>
                     </a:p>
                   </a:txBody>
-                  <a:tcPr/>
+                  <a:tcPr anchor="ctr"/>
                 </a:tc>
                 <a:tc hMerge="1">
                   <a:txBody>
@@ -4850,7 +4951,7 @@
                 </a:tc>
                 <a:extLst>
                   <a:ext uri="{0D108BD9-81ED-4DB2-BD59-A6C34878D82A}">
-                    <a16:rowId xmlns:a16="http://schemas.microsoft.com/office/drawing/2014/main" val="1973246256"/>
+                    <a16:rowId xmlns:a16="http://schemas.microsoft.com/office/drawing/2014/main" val="2528676042"/>
                   </a:ext>
                 </a:extLst>
               </a:tr>
@@ -4860,6 +4961,43 @@
                     <a:bodyPr/>
                     <a:lstStyle/>
                     <a:p>
+                      <a:pPr algn="ctr"/>
+                      <a:r>
+                        <a:rPr lang="en-US" altLang="zh-CN" dirty="0"/>
+                        <a:t>07:20-08:00</a:t>
+                      </a:r>
+                      <a:endParaRPr lang="zh-CN" altLang="en-US" dirty="0"/>
+                    </a:p>
+                  </a:txBody>
+                  <a:tcPr anchor="ctr"/>
+                </a:tc>
+                <a:tc>
+                  <a:txBody>
+                    <a:bodyPr/>
+                    <a:lstStyle/>
+                    <a:p>
+                      <a:pPr algn="ctr"/>
+                      <a:r>
+                        <a:rPr lang="zh-CN" altLang="en-US" dirty="0"/>
+                        <a:t>英语</a:t>
+                      </a:r>
+                    </a:p>
+                  </a:txBody>
+                  <a:tcPr anchor="ctr"/>
+                </a:tc>
+                <a:extLst>
+                  <a:ext uri="{0D108BD9-81ED-4DB2-BD59-A6C34878D82A}">
+                    <a16:rowId xmlns:a16="http://schemas.microsoft.com/office/drawing/2014/main" val="2253246424"/>
+                  </a:ext>
+                </a:extLst>
+              </a:tr>
+              <a:tr h="370840">
+                <a:tc>
+                  <a:txBody>
+                    <a:bodyPr/>
+                    <a:lstStyle/>
+                    <a:p>
+                      <a:pPr algn="ctr"/>
                       <a:r>
                         <a:rPr lang="en-US" altLang="zh-CN" dirty="0"/>
                         <a:t>08:30-09:10</a:t>
@@ -4867,20 +5005,22 @@
                       <a:endParaRPr lang="zh-CN" altLang="en-US" dirty="0"/>
                     </a:p>
                   </a:txBody>
-                  <a:tcPr/>
-                </a:tc>
-                <a:tc>
-                  <a:txBody>
-                    <a:bodyPr/>
-                    <a:lstStyle/>
-                    <a:p>
-                      <a:r>
-                        <a:rPr lang="zh-CN" altLang="en-US" dirty="0"/>
-                        <a:t>语文</a:t>
-                      </a:r>
-                    </a:p>
-                  </a:txBody>
-                  <a:tcPr/>
+                  <a:tcPr anchor="ctr"/>
+                </a:tc>
+                <a:tc>
+                  <a:txBody>
+                    <a:bodyPr/>
+                    <a:lstStyle/>
+                    <a:p>
+                      <a:pPr algn="ctr"/>
+                      <a:r>
+                        <a:rPr lang="en-US" altLang="zh-CN" dirty="0"/>
+                        <a:t>D1</a:t>
+                      </a:r>
+                      <a:endParaRPr lang="zh-CN" altLang="en-US" dirty="0"/>
+                    </a:p>
+                  </a:txBody>
+                  <a:tcPr anchor="ctr"/>
                 </a:tc>
                 <a:extLst>
                   <a:ext uri="{0D108BD9-81ED-4DB2-BD59-A6C34878D82A}">
@@ -4894,27 +5034,28 @@
                     <a:bodyPr/>
                     <a:lstStyle/>
                     <a:p>
+                      <a:pPr algn="ctr"/>
                       <a:r>
                         <a:rPr lang="en-US" altLang="zh-CN" dirty="0"/>
                         <a:t>09:20-10:00</a:t>
                       </a:r>
                     </a:p>
                   </a:txBody>
-                  <a:tcPr/>
-                </a:tc>
-                <a:tc>
-                  <a:txBody>
-                    <a:bodyPr/>
-                    <a:lstStyle/>
-                    <a:p>
-                      <a:r>
-                        <a:rPr lang="zh-CN" altLang="en-US" dirty="0"/>
-                        <a:t>语文</a:t>
-                      </a:r>
-                      <a:endParaRPr lang="en-US" altLang="zh-CN" dirty="0"/>
-                    </a:p>
-                  </a:txBody>
-                  <a:tcPr/>
+                  <a:tcPr anchor="ctr"/>
+                </a:tc>
+                <a:tc>
+                  <a:txBody>
+                    <a:bodyPr/>
+                    <a:lstStyle/>
+                    <a:p>
+                      <a:pPr algn="ctr"/>
+                      <a:r>
+                        <a:rPr lang="en-US" altLang="zh-CN" dirty="0"/>
+                        <a:t>D2</a:t>
+                      </a:r>
+                    </a:p>
+                  </a:txBody>
+                  <a:tcPr anchor="ctr"/>
                 </a:tc>
                 <a:extLst>
                   <a:ext uri="{0D108BD9-81ED-4DB2-BD59-A6C34878D82A}">
@@ -4928,6 +5069,7 @@
                     <a:bodyPr/>
                     <a:lstStyle/>
                     <a:p>
+                      <a:pPr algn="ctr"/>
                       <a:r>
                         <a:rPr lang="en-US" altLang="zh-CN" dirty="0"/>
                         <a:t>10:20-11:00</a:t>
@@ -4935,20 +5077,22 @@
                       <a:endParaRPr lang="zh-CN" altLang="en-US" dirty="0"/>
                     </a:p>
                   </a:txBody>
-                  <a:tcPr/>
-                </a:tc>
-                <a:tc>
-                  <a:txBody>
-                    <a:bodyPr/>
-                    <a:lstStyle/>
-                    <a:p>
-                      <a:r>
-                        <a:rPr lang="zh-CN" altLang="en-US" dirty="0"/>
-                        <a:t>体育</a:t>
-                      </a:r>
-                    </a:p>
-                  </a:txBody>
-                  <a:tcPr/>
+                  <a:tcPr anchor="ctr"/>
+                </a:tc>
+                <a:tc>
+                  <a:txBody>
+                    <a:bodyPr/>
+                    <a:lstStyle/>
+                    <a:p>
+                      <a:pPr algn="ctr"/>
+                      <a:r>
+                        <a:rPr lang="en-US" altLang="zh-CN" dirty="0"/>
+                        <a:t>D3</a:t>
+                      </a:r>
+                      <a:endParaRPr lang="zh-CN" altLang="en-US" dirty="0"/>
+                    </a:p>
+                  </a:txBody>
+                  <a:tcPr anchor="ctr"/>
                 </a:tc>
                 <a:extLst>
                   <a:ext uri="{0D108BD9-81ED-4DB2-BD59-A6C34878D82A}">
@@ -4962,6 +5106,7 @@
                     <a:bodyPr/>
                     <a:lstStyle/>
                     <a:p>
+                      <a:pPr algn="ctr"/>
                       <a:r>
                         <a:rPr lang="en-US" altLang="zh-CN" dirty="0"/>
                         <a:t>11:10-11:50</a:t>
@@ -4969,20 +5114,21 @@
                       <a:endParaRPr lang="zh-CN" altLang="en-US" dirty="0"/>
                     </a:p>
                   </a:txBody>
-                  <a:tcPr/>
-                </a:tc>
-                <a:tc>
-                  <a:txBody>
-                    <a:bodyPr/>
-                    <a:lstStyle/>
-                    <a:p>
+                  <a:tcPr anchor="ctr"/>
+                </a:tc>
+                <a:tc>
+                  <a:txBody>
+                    <a:bodyPr/>
+                    <a:lstStyle/>
+                    <a:p>
+                      <a:pPr algn="ctr"/>
                       <a:r>
                         <a:rPr lang="zh-CN" altLang="en-US" dirty="0"/>
-                        <a:t>数学</a:t>
-                      </a:r>
-                    </a:p>
-                  </a:txBody>
-                  <a:tcPr/>
+                        <a:t>语文</a:t>
+                      </a:r>
+                    </a:p>
+                  </a:txBody>
+                  <a:tcPr anchor="ctr"/>
                 </a:tc>
                 <a:extLst>
                   <a:ext uri="{0D108BD9-81ED-4DB2-BD59-A6C34878D82A}">
@@ -4996,20 +5142,22 @@
                     <a:bodyPr/>
                     <a:lstStyle/>
                     <a:p>
-                      <a:endParaRPr lang="zh-CN" altLang="en-US" dirty="0"/>
-                    </a:p>
-                  </a:txBody>
-                  <a:tcPr/>
-                </a:tc>
-                <a:tc>
-                  <a:txBody>
-                    <a:bodyPr/>
-                    <a:lstStyle/>
-                    <a:p>
-                      <a:endParaRPr lang="zh-CN" altLang="en-US" dirty="0"/>
-                    </a:p>
-                  </a:txBody>
-                  <a:tcPr/>
+                      <a:pPr algn="ctr"/>
+                      <a:endParaRPr lang="zh-CN" altLang="en-US" dirty="0"/>
+                    </a:p>
+                  </a:txBody>
+                  <a:tcPr anchor="ctr"/>
+                </a:tc>
+                <a:tc>
+                  <a:txBody>
+                    <a:bodyPr/>
+                    <a:lstStyle/>
+                    <a:p>
+                      <a:pPr algn="ctr"/>
+                      <a:endParaRPr lang="zh-CN" altLang="en-US" dirty="0"/>
+                    </a:p>
+                  </a:txBody>
+                  <a:tcPr anchor="ctr"/>
                 </a:tc>
                 <a:extLst>
                   <a:ext uri="{0D108BD9-81ED-4DB2-BD59-A6C34878D82A}">
@@ -5023,6 +5171,7 @@
                     <a:bodyPr/>
                     <a:lstStyle/>
                     <a:p>
+                      <a:pPr algn="ctr"/>
                       <a:r>
                         <a:rPr lang="en-US" altLang="zh-CN" dirty="0"/>
                         <a:t>12:50-13:30</a:t>
@@ -5030,21 +5179,21 @@
                       <a:endParaRPr lang="zh-CN" altLang="en-US" dirty="0"/>
                     </a:p>
                   </a:txBody>
-                  <a:tcPr/>
-                </a:tc>
-                <a:tc>
-                  <a:txBody>
-                    <a:bodyPr/>
-                    <a:lstStyle/>
-                    <a:p>
-                      <a:r>
-                        <a:rPr lang="en-US" altLang="zh-CN" dirty="0"/>
-                        <a:t>D2</a:t>
-                      </a:r>
-                      <a:endParaRPr lang="zh-CN" altLang="en-US" dirty="0"/>
-                    </a:p>
-                  </a:txBody>
-                  <a:tcPr/>
+                  <a:tcPr anchor="ctr"/>
+                </a:tc>
+                <a:tc>
+                  <a:txBody>
+                    <a:bodyPr/>
+                    <a:lstStyle/>
+                    <a:p>
+                      <a:pPr algn="ctr"/>
+                      <a:r>
+                        <a:rPr lang="zh-CN" altLang="en-US" dirty="0"/>
+                        <a:t>数学</a:t>
+                      </a:r>
+                    </a:p>
+                  </a:txBody>
+                  <a:tcPr anchor="ctr"/>
                 </a:tc>
                 <a:extLst>
                   <a:ext uri="{0D108BD9-81ED-4DB2-BD59-A6C34878D82A}">
@@ -5058,6 +5207,7 @@
                     <a:bodyPr/>
                     <a:lstStyle/>
                     <a:p>
+                      <a:pPr algn="ctr"/>
                       <a:r>
                         <a:rPr lang="en-US" altLang="zh-CN" dirty="0"/>
                         <a:t>13:40-14:20</a:t>
@@ -5065,20 +5215,21 @@
                       <a:endParaRPr lang="zh-CN" altLang="en-US" dirty="0"/>
                     </a:p>
                   </a:txBody>
-                  <a:tcPr/>
-                </a:tc>
-                <a:tc>
-                  <a:txBody>
-                    <a:bodyPr/>
-                    <a:lstStyle/>
-                    <a:p>
+                  <a:tcPr anchor="ctr"/>
+                </a:tc>
+                <a:tc>
+                  <a:txBody>
+                    <a:bodyPr/>
+                    <a:lstStyle/>
+                    <a:p>
+                      <a:pPr algn="ctr"/>
                       <a:r>
                         <a:rPr lang="zh-CN" altLang="en-US" dirty="0"/>
-                        <a:t>英语</a:t>
-                      </a:r>
-                    </a:p>
-                  </a:txBody>
-                  <a:tcPr/>
+                        <a:t>数学</a:t>
+                      </a:r>
+                    </a:p>
+                  </a:txBody>
+                  <a:tcPr anchor="ctr"/>
                 </a:tc>
                 <a:extLst>
                   <a:ext uri="{0D108BD9-81ED-4DB2-BD59-A6C34878D82A}">
@@ -5092,6 +5243,7 @@
                     <a:bodyPr/>
                     <a:lstStyle/>
                     <a:p>
+                      <a:pPr algn="ctr"/>
                       <a:r>
                         <a:rPr lang="en-US" altLang="zh-CN" dirty="0"/>
                         <a:t>14:40-15:20</a:t>
@@ -5099,21 +5251,21 @@
                       <a:endParaRPr lang="zh-CN" altLang="en-US" dirty="0"/>
                     </a:p>
                   </a:txBody>
-                  <a:tcPr/>
-                </a:tc>
-                <a:tc>
-                  <a:txBody>
-                    <a:bodyPr/>
-                    <a:lstStyle/>
-                    <a:p>
-                      <a:r>
-                        <a:rPr lang="en-US" altLang="zh-CN" dirty="0"/>
-                        <a:t>D1</a:t>
-                      </a:r>
-                      <a:endParaRPr lang="zh-CN" altLang="en-US" dirty="0"/>
-                    </a:p>
-                  </a:txBody>
-                  <a:tcPr/>
+                  <a:tcPr anchor="ctr"/>
+                </a:tc>
+                <a:tc>
+                  <a:txBody>
+                    <a:bodyPr/>
+                    <a:lstStyle/>
+                    <a:p>
+                      <a:pPr algn="ctr"/>
+                      <a:r>
+                        <a:rPr lang="zh-CN" altLang="en-US" dirty="0"/>
+                        <a:t>英语</a:t>
+                      </a:r>
+                    </a:p>
+                  </a:txBody>
+                  <a:tcPr anchor="ctr"/>
                 </a:tc>
                 <a:extLst>
                   <a:ext uri="{0D108BD9-81ED-4DB2-BD59-A6C34878D82A}">
@@ -5121,34 +5273,43 @@
                   </a:ext>
                 </a:extLst>
               </a:tr>
-              <a:tr h="370840">
-                <a:tc>
-                  <a:txBody>
-                    <a:bodyPr/>
-                    <a:lstStyle/>
-                    <a:p>
+              <a:tr h="741680">
+                <a:tc>
+                  <a:txBody>
+                    <a:bodyPr/>
+                    <a:lstStyle/>
+                    <a:p>
+                      <a:pPr algn="ctr"/>
                       <a:r>
                         <a:rPr lang="en-US" altLang="zh-CN" dirty="0"/>
-                        <a:t>15:30-16:10</a:t>
-                      </a:r>
-                      <a:endParaRPr lang="zh-CN" altLang="en-US" dirty="0"/>
-                    </a:p>
-                  </a:txBody>
-                  <a:tcPr/>
-                </a:tc>
-                <a:tc>
-                  <a:txBody>
-                    <a:bodyPr/>
-                    <a:lstStyle/>
-                    <a:p>
-                      <a:r>
-                        <a:rPr lang="en-US" altLang="zh-CN" dirty="0"/>
-                        <a:t>D3</a:t>
-                      </a:r>
-                      <a:endParaRPr lang="zh-CN" altLang="en-US" dirty="0"/>
-                    </a:p>
-                  </a:txBody>
-                  <a:tcPr/>
+                        <a:t>15:30-17:00</a:t>
+                      </a:r>
+                      <a:endParaRPr lang="zh-CN" altLang="en-US" dirty="0"/>
+                    </a:p>
+                  </a:txBody>
+                  <a:tcPr anchor="ctr"/>
+                </a:tc>
+                <a:tc>
+                  <a:txBody>
+                    <a:bodyPr/>
+                    <a:lstStyle/>
+                    <a:p>
+                      <a:pPr algn="ctr"/>
+                      <a:r>
+                        <a:rPr lang="zh-CN" altLang="en-US" dirty="0"/>
+                        <a:t>英语</a:t>
+                      </a:r>
+                      <a:endParaRPr lang="en-US" altLang="zh-CN" dirty="0"/>
+                    </a:p>
+                    <a:p>
+                      <a:pPr algn="ctr"/>
+                      <a:r>
+                        <a:rPr lang="zh-CN" altLang="en-US" dirty="0"/>
+                        <a:t>练习</a:t>
+                      </a:r>
+                    </a:p>
+                  </a:txBody>
+                  <a:tcPr anchor="ctr"/>
                 </a:tc>
                 <a:extLst>
                   <a:ext uri="{0D108BD9-81ED-4DB2-BD59-A6C34878D82A}">
@@ -5162,65 +5323,33 @@
                     <a:bodyPr/>
                     <a:lstStyle/>
                     <a:p>
+                      <a:pPr algn="ctr"/>
                       <a:r>
                         <a:rPr lang="en-US" altLang="zh-CN" dirty="0"/>
-                        <a:t>16:20-17:00</a:t>
-                      </a:r>
-                      <a:endParaRPr lang="zh-CN" altLang="en-US" dirty="0"/>
-                    </a:p>
-                  </a:txBody>
-                  <a:tcPr/>
-                </a:tc>
-                <a:tc>
-                  <a:txBody>
-                    <a:bodyPr/>
-                    <a:lstStyle/>
-                    <a:p>
+                        <a:t>18:00-19:30</a:t>
+                      </a:r>
+                      <a:endParaRPr lang="zh-CN" altLang="en-US" dirty="0"/>
+                    </a:p>
+                  </a:txBody>
+                  <a:tcPr anchor="ctr"/>
+                </a:tc>
+                <a:tc>
+                  <a:txBody>
+                    <a:bodyPr/>
+                    <a:lstStyle/>
+                    <a:p>
+                      <a:pPr algn="ctr"/>
                       <a:r>
                         <a:rPr lang="zh-CN" altLang="en-US" dirty="0"/>
-                        <a:t>自修</a:t>
-                      </a:r>
-                    </a:p>
-                  </a:txBody>
-                  <a:tcPr/>
+                        <a:t>语文</a:t>
+                      </a:r>
+                    </a:p>
+                  </a:txBody>
+                  <a:tcPr anchor="ctr"/>
                 </a:tc>
                 <a:extLst>
                   <a:ext uri="{0D108BD9-81ED-4DB2-BD59-A6C34878D82A}">
-                    <a16:rowId xmlns:a16="http://schemas.microsoft.com/office/drawing/2014/main" val="453279020"/>
-                  </a:ext>
-                </a:extLst>
-              </a:tr>
-              <a:tr h="370840">
-                <a:tc>
-                  <a:txBody>
-                    <a:bodyPr/>
-                    <a:lstStyle/>
-                    <a:p>
-                      <a:r>
-                        <a:rPr lang="en-US" altLang="zh-CN" dirty="0"/>
-                        <a:t>18:00-19:30</a:t>
-                      </a:r>
-                      <a:endParaRPr lang="zh-CN" altLang="en-US" dirty="0"/>
-                    </a:p>
-                  </a:txBody>
-                  <a:tcPr/>
-                </a:tc>
-                <a:tc>
-                  <a:txBody>
-                    <a:bodyPr/>
-                    <a:lstStyle/>
-                    <a:p>
-                      <a:r>
-                        <a:rPr lang="zh-CN" altLang="en-US" dirty="0"/>
-                        <a:t>英语</a:t>
-                      </a:r>
-                    </a:p>
-                  </a:txBody>
-                  <a:tcPr/>
-                </a:tc>
-                <a:extLst>
-                  <a:ext uri="{0D108BD9-81ED-4DB2-BD59-A6C34878D82A}">
-                    <a16:rowId xmlns:a16="http://schemas.microsoft.com/office/drawing/2014/main" val="3503393947"/>
+                    <a16:rowId xmlns:a16="http://schemas.microsoft.com/office/drawing/2014/main" val="2571435325"/>
                   </a:ext>
                 </a:extLst>
               </a:tr>
@@ -5231,7 +5360,7 @@
     </p:spTree>
     <p:extLst>
       <p:ext uri="{BB962C8B-B14F-4D97-AF65-F5344CB8AC3E}">
-        <p14:creationId xmlns:p14="http://schemas.microsoft.com/office/powerpoint/2010/main" val="264804300"/>
+        <p14:creationId xmlns:p14="http://schemas.microsoft.com/office/powerpoint/2010/main" val="3892256782"/>
       </p:ext>
     </p:extLst>
   </p:cSld>
@@ -5260,10 +5389,10 @@
       </p:grpSpPr>
       <p:graphicFrame>
         <p:nvGraphicFramePr>
-          <p:cNvPr id="2" name="表格 5">
-            <a:extLst>
-              <a:ext uri="{FF2B5EF4-FFF2-40B4-BE49-F238E27FC236}">
-                <a16:creationId xmlns:a16="http://schemas.microsoft.com/office/drawing/2014/main" id="{38EA55A9-49E2-B9FA-FB64-6CB3AA76DACE}"/>
+          <p:cNvPr id="4" name="表格 5">
+            <a:extLst>
+              <a:ext uri="{FF2B5EF4-FFF2-40B4-BE49-F238E27FC236}">
+                <a16:creationId xmlns:a16="http://schemas.microsoft.com/office/drawing/2014/main" id="{FF71C17B-167D-4749-9E94-6827AEA3FE5E}"/>
               </a:ext>
             </a:extLst>
           </p:cNvPr>
@@ -5273,14 +5402,14 @@
           <p:nvPr>
             <p:extLst>
               <p:ext uri="{D42A27DB-BD31-4B8C-83A1-F6EECF244321}">
-                <p14:modId xmlns:p14="http://schemas.microsoft.com/office/powerpoint/2010/main" val="1827944683"/>
+                <p14:modId xmlns:p14="http://schemas.microsoft.com/office/powerpoint/2010/main" val="2714119543"/>
               </p:ext>
             </p:extLst>
           </p:nvPr>
         </p:nvGraphicFramePr>
         <p:xfrm>
-          <a:off x="0" y="1574800"/>
-          <a:ext cx="2190307" cy="3337560"/>
+          <a:off x="0" y="1203960"/>
+          <a:ext cx="2190307" cy="4450080"/>
         </p:xfrm>
         <a:graphic>
           <a:graphicData uri="http://schemas.openxmlformats.org/drawingml/2006/table">
@@ -5317,7 +5446,7 @@
                       </a:r>
                     </a:p>
                   </a:txBody>
-                  <a:tcPr/>
+                  <a:tcPr anchor="ctr"/>
                 </a:tc>
                 <a:tc hMerge="1">
                   <a:txBody>
@@ -5331,7 +5460,7 @@
                 </a:tc>
                 <a:extLst>
                   <a:ext uri="{0D108BD9-81ED-4DB2-BD59-A6C34878D82A}">
-                    <a16:rowId xmlns:a16="http://schemas.microsoft.com/office/drawing/2014/main" val="1445033160"/>
+                    <a16:rowId xmlns:a16="http://schemas.microsoft.com/office/drawing/2014/main" val="2528676042"/>
                   </a:ext>
                 </a:extLst>
               </a:tr>
@@ -5341,6 +5470,43 @@
                     <a:bodyPr/>
                     <a:lstStyle/>
                     <a:p>
+                      <a:pPr algn="ctr"/>
+                      <a:r>
+                        <a:rPr lang="en-US" altLang="zh-CN" dirty="0"/>
+                        <a:t>07:20-08:00</a:t>
+                      </a:r>
+                      <a:endParaRPr lang="zh-CN" altLang="en-US" dirty="0"/>
+                    </a:p>
+                  </a:txBody>
+                  <a:tcPr anchor="ctr"/>
+                </a:tc>
+                <a:tc>
+                  <a:txBody>
+                    <a:bodyPr/>
+                    <a:lstStyle/>
+                    <a:p>
+                      <a:pPr algn="ctr"/>
+                      <a:r>
+                        <a:rPr lang="zh-CN" altLang="en-US" dirty="0"/>
+                        <a:t>晨会</a:t>
+                      </a:r>
+                    </a:p>
+                  </a:txBody>
+                  <a:tcPr anchor="ctr"/>
+                </a:tc>
+                <a:extLst>
+                  <a:ext uri="{0D108BD9-81ED-4DB2-BD59-A6C34878D82A}">
+                    <a16:rowId xmlns:a16="http://schemas.microsoft.com/office/drawing/2014/main" val="2253246424"/>
+                  </a:ext>
+                </a:extLst>
+              </a:tr>
+              <a:tr h="370840">
+                <a:tc>
+                  <a:txBody>
+                    <a:bodyPr/>
+                    <a:lstStyle/>
+                    <a:p>
+                      <a:pPr algn="ctr"/>
                       <a:r>
                         <a:rPr lang="en-US" altLang="zh-CN" dirty="0"/>
                         <a:t>08:30-09:10</a:t>
@@ -5348,20 +5514,21 @@
                       <a:endParaRPr lang="zh-CN" altLang="en-US" dirty="0"/>
                     </a:p>
                   </a:txBody>
-                  <a:tcPr/>
-                </a:tc>
-                <a:tc>
-                  <a:txBody>
-                    <a:bodyPr/>
-                    <a:lstStyle/>
-                    <a:p>
+                  <a:tcPr anchor="ctr"/>
+                </a:tc>
+                <a:tc>
+                  <a:txBody>
+                    <a:bodyPr/>
+                    <a:lstStyle/>
+                    <a:p>
+                      <a:pPr algn="ctr"/>
                       <a:r>
                         <a:rPr lang="zh-CN" altLang="en-US" dirty="0"/>
-                        <a:t>英语</a:t>
-                      </a:r>
-                    </a:p>
-                  </a:txBody>
-                  <a:tcPr/>
+                        <a:t>语文</a:t>
+                      </a:r>
+                    </a:p>
+                  </a:txBody>
+                  <a:tcPr anchor="ctr"/>
                 </a:tc>
                 <a:extLst>
                   <a:ext uri="{0D108BD9-81ED-4DB2-BD59-A6C34878D82A}">
@@ -5375,19 +5542,21 @@
                     <a:bodyPr/>
                     <a:lstStyle/>
                     <a:p>
+                      <a:pPr algn="ctr"/>
                       <a:r>
                         <a:rPr lang="en-US" altLang="zh-CN" dirty="0"/>
                         <a:t>09:20-10:00</a:t>
                       </a:r>
                     </a:p>
                   </a:txBody>
-                  <a:tcPr/>
-                </a:tc>
-                <a:tc>
-                  <a:txBody>
-                    <a:bodyPr/>
-                    <a:lstStyle/>
-                    <a:p>
+                  <a:tcPr anchor="ctr"/>
+                </a:tc>
+                <a:tc>
+                  <a:txBody>
+                    <a:bodyPr/>
+                    <a:lstStyle/>
+                    <a:p>
+                      <a:pPr algn="ctr"/>
                       <a:r>
                         <a:rPr lang="zh-CN" altLang="en-US" dirty="0"/>
                         <a:t>数学</a:t>
@@ -5395,7 +5564,7 @@
                       <a:endParaRPr lang="en-US" altLang="zh-CN" dirty="0"/>
                     </a:p>
                   </a:txBody>
-                  <a:tcPr/>
+                  <a:tcPr anchor="ctr"/>
                 </a:tc>
                 <a:extLst>
                   <a:ext uri="{0D108BD9-81ED-4DB2-BD59-A6C34878D82A}">
@@ -5409,6 +5578,7 @@
                     <a:bodyPr/>
                     <a:lstStyle/>
                     <a:p>
+                      <a:pPr algn="ctr"/>
                       <a:r>
                         <a:rPr lang="en-US" altLang="zh-CN" dirty="0"/>
                         <a:t>10:20-11:00</a:t>
@@ -5416,20 +5586,21 @@
                       <a:endParaRPr lang="zh-CN" altLang="en-US" dirty="0"/>
                     </a:p>
                   </a:txBody>
-                  <a:tcPr/>
-                </a:tc>
-                <a:tc>
-                  <a:txBody>
-                    <a:bodyPr/>
-                    <a:lstStyle/>
-                    <a:p>
+                  <a:tcPr anchor="ctr"/>
+                </a:tc>
+                <a:tc>
+                  <a:txBody>
+                    <a:bodyPr/>
+                    <a:lstStyle/>
+                    <a:p>
+                      <a:pPr algn="ctr"/>
                       <a:r>
                         <a:rPr lang="zh-CN" altLang="en-US" dirty="0"/>
-                        <a:t>语文</a:t>
-                      </a:r>
-                    </a:p>
-                  </a:txBody>
-                  <a:tcPr/>
+                        <a:t>英语</a:t>
+                      </a:r>
+                    </a:p>
+                  </a:txBody>
+                  <a:tcPr anchor="ctr"/>
                 </a:tc>
                 <a:extLst>
                   <a:ext uri="{0D108BD9-81ED-4DB2-BD59-A6C34878D82A}">
@@ -5443,6 +5614,7 @@
                     <a:bodyPr/>
                     <a:lstStyle/>
                     <a:p>
+                      <a:pPr algn="ctr"/>
                       <a:r>
                         <a:rPr lang="en-US" altLang="zh-CN" dirty="0"/>
                         <a:t>11:10-11:50</a:t>
@@ -5450,21 +5622,21 @@
                       <a:endParaRPr lang="zh-CN" altLang="en-US" dirty="0"/>
                     </a:p>
                   </a:txBody>
-                  <a:tcPr/>
-                </a:tc>
-                <a:tc>
-                  <a:txBody>
-                    <a:bodyPr/>
-                    <a:lstStyle/>
-                    <a:p>
-                      <a:r>
-                        <a:rPr lang="en-US" altLang="zh-CN" dirty="0"/>
-                        <a:t>H1</a:t>
-                      </a:r>
-                      <a:endParaRPr lang="zh-CN" altLang="en-US" dirty="0"/>
-                    </a:p>
-                  </a:txBody>
-                  <a:tcPr/>
+                  <a:tcPr anchor="ctr"/>
+                </a:tc>
+                <a:tc>
+                  <a:txBody>
+                    <a:bodyPr/>
+                    <a:lstStyle/>
+                    <a:p>
+                      <a:pPr algn="ctr"/>
+                      <a:r>
+                        <a:rPr lang="zh-CN" altLang="en-US" dirty="0"/>
+                        <a:t>语文</a:t>
+                      </a:r>
+                    </a:p>
+                  </a:txBody>
+                  <a:tcPr anchor="ctr"/>
                 </a:tc>
                 <a:extLst>
                   <a:ext uri="{0D108BD9-81ED-4DB2-BD59-A6C34878D82A}">
@@ -5478,20 +5650,22 @@
                     <a:bodyPr/>
                     <a:lstStyle/>
                     <a:p>
-                      <a:endParaRPr lang="zh-CN" altLang="en-US" dirty="0"/>
-                    </a:p>
-                  </a:txBody>
-                  <a:tcPr/>
-                </a:tc>
-                <a:tc>
-                  <a:txBody>
-                    <a:bodyPr/>
-                    <a:lstStyle/>
-                    <a:p>
-                      <a:endParaRPr lang="zh-CN" altLang="en-US" dirty="0"/>
-                    </a:p>
-                  </a:txBody>
-                  <a:tcPr/>
+                      <a:pPr algn="ctr"/>
+                      <a:endParaRPr lang="zh-CN" altLang="en-US" dirty="0"/>
+                    </a:p>
+                  </a:txBody>
+                  <a:tcPr anchor="ctr"/>
+                </a:tc>
+                <a:tc>
+                  <a:txBody>
+                    <a:bodyPr/>
+                    <a:lstStyle/>
+                    <a:p>
+                      <a:pPr algn="ctr"/>
+                      <a:endParaRPr lang="zh-CN" altLang="en-US" dirty="0"/>
+                    </a:p>
+                  </a:txBody>
+                  <a:tcPr anchor="ctr"/>
                 </a:tc>
                 <a:extLst>
                   <a:ext uri="{0D108BD9-81ED-4DB2-BD59-A6C34878D82A}">
@@ -5505,6 +5679,7 @@
                     <a:bodyPr/>
                     <a:lstStyle/>
                     <a:p>
+                      <a:pPr algn="ctr"/>
                       <a:r>
                         <a:rPr lang="en-US" altLang="zh-CN" dirty="0"/>
                         <a:t>12:50-13:30</a:t>
@@ -5512,20 +5687,21 @@
                       <a:endParaRPr lang="zh-CN" altLang="en-US" dirty="0"/>
                     </a:p>
                   </a:txBody>
-                  <a:tcPr/>
-                </a:tc>
-                <a:tc>
-                  <a:txBody>
-                    <a:bodyPr/>
-                    <a:lstStyle/>
-                    <a:p>
+                  <a:tcPr anchor="ctr"/>
+                </a:tc>
+                <a:tc>
+                  <a:txBody>
+                    <a:bodyPr/>
+                    <a:lstStyle/>
+                    <a:p>
+                      <a:pPr algn="ctr"/>
                       <a:r>
                         <a:rPr lang="zh-CN" altLang="en-US" dirty="0"/>
-                        <a:t>选修</a:t>
-                      </a:r>
-                    </a:p>
-                  </a:txBody>
-                  <a:tcPr/>
+                        <a:t>体育</a:t>
+                      </a:r>
+                    </a:p>
+                  </a:txBody>
+                  <a:tcPr anchor="ctr"/>
                 </a:tc>
                 <a:extLst>
                   <a:ext uri="{0D108BD9-81ED-4DB2-BD59-A6C34878D82A}">
@@ -5539,6 +5715,7 @@
                     <a:bodyPr/>
                     <a:lstStyle/>
                     <a:p>
+                      <a:pPr algn="ctr"/>
                       <a:r>
                         <a:rPr lang="en-US" altLang="zh-CN" dirty="0"/>
                         <a:t>13:40-14:20</a:t>
@@ -5546,20 +5723,22 @@
                       <a:endParaRPr lang="zh-CN" altLang="en-US" dirty="0"/>
                     </a:p>
                   </a:txBody>
-                  <a:tcPr/>
-                </a:tc>
-                <a:tc>
-                  <a:txBody>
-                    <a:bodyPr/>
-                    <a:lstStyle/>
-                    <a:p>
-                      <a:r>
-                        <a:rPr lang="zh-CN" altLang="en-US" dirty="0"/>
-                        <a:t>体育</a:t>
-                      </a:r>
-                    </a:p>
-                  </a:txBody>
-                  <a:tcPr/>
+                  <a:tcPr anchor="ctr"/>
+                </a:tc>
+                <a:tc>
+                  <a:txBody>
+                    <a:bodyPr/>
+                    <a:lstStyle/>
+                    <a:p>
+                      <a:pPr algn="ctr"/>
+                      <a:r>
+                        <a:rPr lang="en-US" altLang="zh-CN" dirty="0"/>
+                        <a:t>D3</a:t>
+                      </a:r>
+                      <a:endParaRPr lang="zh-CN" altLang="en-US" dirty="0"/>
+                    </a:p>
+                  </a:txBody>
+                  <a:tcPr anchor="ctr"/>
                 </a:tc>
                 <a:extLst>
                   <a:ext uri="{0D108BD9-81ED-4DB2-BD59-A6C34878D82A}">
@@ -5573,6 +5752,7 @@
                     <a:bodyPr/>
                     <a:lstStyle/>
                     <a:p>
+                      <a:pPr algn="ctr"/>
                       <a:r>
                         <a:rPr lang="en-US" altLang="zh-CN" dirty="0"/>
                         <a:t>14:40-15:20</a:t>
@@ -5580,24 +5760,99 @@
                       <a:endParaRPr lang="zh-CN" altLang="en-US" dirty="0"/>
                     </a:p>
                   </a:txBody>
-                  <a:tcPr/>
-                </a:tc>
-                <a:tc>
-                  <a:txBody>
-                    <a:bodyPr/>
-                    <a:lstStyle/>
-                    <a:p>
-                      <a:r>
-                        <a:rPr lang="zh-CN" altLang="en-US" dirty="0"/>
-                        <a:t>班会</a:t>
-                      </a:r>
-                    </a:p>
-                  </a:txBody>
-                  <a:tcPr/>
+                  <a:tcPr anchor="ctr"/>
+                </a:tc>
+                <a:tc>
+                  <a:txBody>
+                    <a:bodyPr/>
+                    <a:lstStyle/>
+                    <a:p>
+                      <a:pPr algn="ctr"/>
+                      <a:r>
+                        <a:rPr lang="en-US" altLang="zh-CN" dirty="0"/>
+                        <a:t>D2</a:t>
+                      </a:r>
+                      <a:endParaRPr lang="zh-CN" altLang="en-US" dirty="0"/>
+                    </a:p>
+                  </a:txBody>
+                  <a:tcPr anchor="ctr"/>
                 </a:tc>
                 <a:extLst>
                   <a:ext uri="{0D108BD9-81ED-4DB2-BD59-A6C34878D82A}">
                     <a16:rowId xmlns:a16="http://schemas.microsoft.com/office/drawing/2014/main" val="1150853496"/>
+                  </a:ext>
+                </a:extLst>
+              </a:tr>
+              <a:tr h="370840">
+                <a:tc>
+                  <a:txBody>
+                    <a:bodyPr/>
+                    <a:lstStyle/>
+                    <a:p>
+                      <a:pPr algn="ctr"/>
+                      <a:r>
+                        <a:rPr lang="en-US" altLang="zh-CN" dirty="0"/>
+                        <a:t>15:30-16:10</a:t>
+                      </a:r>
+                      <a:endParaRPr lang="zh-CN" altLang="en-US" dirty="0"/>
+                    </a:p>
+                  </a:txBody>
+                  <a:tcPr anchor="ctr"/>
+                </a:tc>
+                <a:tc>
+                  <a:txBody>
+                    <a:bodyPr/>
+                    <a:lstStyle/>
+                    <a:p>
+                      <a:pPr algn="ctr"/>
+                      <a:r>
+                        <a:rPr lang="en-US" altLang="zh-CN" dirty="0"/>
+                        <a:t>D1</a:t>
+                      </a:r>
+                      <a:endParaRPr lang="zh-CN" altLang="en-US" dirty="0"/>
+                    </a:p>
+                  </a:txBody>
+                  <a:tcPr anchor="ctr"/>
+                </a:tc>
+                <a:extLst>
+                  <a:ext uri="{0D108BD9-81ED-4DB2-BD59-A6C34878D82A}">
+                    <a16:rowId xmlns:a16="http://schemas.microsoft.com/office/drawing/2014/main" val="1902781373"/>
+                  </a:ext>
+                </a:extLst>
+              </a:tr>
+              <a:tr h="370840">
+                <a:tc>
+                  <a:txBody>
+                    <a:bodyPr/>
+                    <a:lstStyle/>
+                    <a:p>
+                      <a:pPr algn="ctr"/>
+                      <a:r>
+                        <a:rPr lang="en-US" altLang="zh-CN" dirty="0"/>
+                        <a:t>16:20-17:00</a:t>
+                      </a:r>
+                      <a:endParaRPr lang="zh-CN" altLang="en-US" dirty="0"/>
+                    </a:p>
+                  </a:txBody>
+                  <a:tcPr anchor="ctr"/>
+                </a:tc>
+                <a:tc>
+                  <a:txBody>
+                    <a:bodyPr/>
+                    <a:lstStyle/>
+                    <a:p>
+                      <a:pPr algn="ctr"/>
+                      <a:r>
+                        <a:rPr lang="zh-CN" altLang="en-US" dirty="0"/>
+                        <a:t>英语</a:t>
+                      </a:r>
+                    </a:p>
+                  </a:txBody>
+                  <a:tcPr anchor="ctr"/>
+                </a:tc>
+                <a:extLst>
+                  <a:ext uri="{0D108BD9-81ED-4DB2-BD59-A6C34878D82A}">
+                    <a16:rowId xmlns:a16="http://schemas.microsoft.com/office/drawing/2014/main" val="453279020"/>
                   </a:ext>
                 </a:extLst>
               </a:tr>
@@ -5608,458 +5863,7 @@
     </p:spTree>
     <p:extLst>
       <p:ext uri="{BB962C8B-B14F-4D97-AF65-F5344CB8AC3E}">
-        <p14:creationId xmlns:p14="http://schemas.microsoft.com/office/powerpoint/2010/main" val="382795866"/>
-      </p:ext>
-    </p:extLst>
-  </p:cSld>
-  <p:clrMapOvr>
-    <a:masterClrMapping/>
-  </p:clrMapOvr>
-</p:sld>
-</file>
-
-<file path=ppt/slides/slide6.xml><?xml version="1.0" encoding="utf-8"?>
-<p:sld xmlns:a="http://schemas.openxmlformats.org/drawingml/2006/main" xmlns:r="http://schemas.openxmlformats.org/officeDocument/2006/relationships" xmlns:p="http://schemas.openxmlformats.org/presentationml/2006/main">
-  <p:cSld>
-    <p:bg>
-      <p:bgPr>
-        <a:solidFill>
-          <a:schemeClr val="accent2">
-            <a:alpha val="27000"/>
-          </a:schemeClr>
-        </a:solidFill>
-        <a:effectLst/>
-      </p:bgPr>
-    </p:bg>
-    <p:spTree>
-      <p:nvGrpSpPr>
-        <p:cNvPr id="1" name=""/>
-        <p:cNvGrpSpPr/>
-        <p:nvPr/>
-      </p:nvGrpSpPr>
-      <p:grpSpPr>
-        <a:xfrm>
-          <a:off x="0" y="0"/>
-          <a:ext cx="0" cy="0"/>
-          <a:chOff x="0" y="0"/>
-          <a:chExt cx="0" cy="0"/>
-        </a:xfrm>
-      </p:grpSpPr>
-      <p:pic>
-        <p:nvPicPr>
-          <p:cNvPr id="4" name="图片 3">
-            <a:extLst>
-              <a:ext uri="{FF2B5EF4-FFF2-40B4-BE49-F238E27FC236}">
-                <a16:creationId xmlns:a16="http://schemas.microsoft.com/office/drawing/2014/main" id="{A381D34A-BB21-4760-58AF-9B0E88E0C43E}"/>
-              </a:ext>
-            </a:extLst>
-          </p:cNvPr>
-          <p:cNvPicPr>
-            <a:picLocks noChangeAspect="1"/>
-          </p:cNvPicPr>
-          <p:nvPr/>
-        </p:nvPicPr>
-        <p:blipFill>
-          <a:blip r:embed="rId2">
-            <a:extLst>
-              <a:ext uri="{28A0092B-C50C-407E-A947-70E740481C1C}">
-                <a14:useLocalDpi xmlns:a14="http://schemas.microsoft.com/office/drawing/2010/main" val="0"/>
-              </a:ext>
-            </a:extLst>
-          </a:blip>
-          <a:stretch>
-            <a:fillRect/>
-          </a:stretch>
-        </p:blipFill>
-        <p:spPr>
-          <a:xfrm>
-            <a:off x="0" y="0"/>
-            <a:ext cx="12192000" cy="6858000"/>
-          </a:xfrm>
-          <a:prstGeom prst="rect">
-            <a:avLst/>
-          </a:prstGeom>
-        </p:spPr>
-      </p:pic>
-      <p:graphicFrame>
-        <p:nvGraphicFramePr>
-          <p:cNvPr id="2" name="表格 5">
-            <a:extLst>
-              <a:ext uri="{FF2B5EF4-FFF2-40B4-BE49-F238E27FC236}">
-                <a16:creationId xmlns:a16="http://schemas.microsoft.com/office/drawing/2014/main" id="{38EA55A9-49E2-B9FA-FB64-6CB3AA76DACE}"/>
-              </a:ext>
-            </a:extLst>
-          </p:cNvPr>
-          <p:cNvGraphicFramePr>
-            <a:graphicFrameLocks noGrp="1"/>
-          </p:cNvGraphicFramePr>
-          <p:nvPr>
-            <p:extLst>
-              <p:ext uri="{D42A27DB-BD31-4B8C-83A1-F6EECF244321}">
-                <p14:modId xmlns:p14="http://schemas.microsoft.com/office/powerpoint/2010/main" val="2308148901"/>
-              </p:ext>
-            </p:extLst>
-          </p:nvPr>
-        </p:nvGraphicFramePr>
-        <p:xfrm>
-          <a:off x="0" y="1574800"/>
-          <a:ext cx="2190307" cy="4439920"/>
-        </p:xfrm>
-        <a:graphic>
-          <a:graphicData uri="http://schemas.openxmlformats.org/drawingml/2006/table">
-            <a:tbl>
-              <a:tblPr bandRow="1">
-                <a:tableStyleId>{5DA37D80-6434-44D0-A028-1B22A696006F}</a:tableStyleId>
-              </a:tblPr>
-              <a:tblGrid>
-                <a:gridCol w="1541721">
-                  <a:extLst>
-                    <a:ext uri="{9D8B030D-6E8A-4147-A177-3AD203B41FA5}">
-                      <a16:colId xmlns:a16="http://schemas.microsoft.com/office/drawing/2014/main" val="380885542"/>
-                    </a:ext>
-                  </a:extLst>
-                </a:gridCol>
-                <a:gridCol w="648586">
-                  <a:extLst>
-                    <a:ext uri="{9D8B030D-6E8A-4147-A177-3AD203B41FA5}">
-                      <a16:colId xmlns:a16="http://schemas.microsoft.com/office/drawing/2014/main" val="3910847611"/>
-                    </a:ext>
-                  </a:extLst>
-                </a:gridCol>
-              </a:tblGrid>
-              <a:tr h="370840">
-                <a:tc gridSpan="2">
-                  <a:txBody>
-                    <a:bodyPr/>
-                    <a:lstStyle/>
-                    <a:p>
-                      <a:pPr algn="ctr"/>
-                      <a:r>
-                        <a:rPr lang="zh-CN" altLang="en-US" dirty="0"/>
-                        <a:t>周五</a:t>
-                      </a:r>
-                    </a:p>
-                  </a:txBody>
-                  <a:tcPr>
-                    <a:noFill/>
-                  </a:tcPr>
-                </a:tc>
-                <a:tc hMerge="1">
-                  <a:txBody>
-                    <a:bodyPr/>
-                    <a:lstStyle/>
-                    <a:p>
-                      <a:endParaRPr lang="zh-CN" altLang="en-US" dirty="0"/>
-                    </a:p>
-                  </a:txBody>
-                  <a:tcPr/>
-                </a:tc>
-                <a:extLst>
-                  <a:ext uri="{0D108BD9-81ED-4DB2-BD59-A6C34878D82A}">
-                    <a16:rowId xmlns:a16="http://schemas.microsoft.com/office/drawing/2014/main" val="1445033160"/>
-                  </a:ext>
-                </a:extLst>
-              </a:tr>
-              <a:tr h="370840">
-                <a:tc>
-                  <a:txBody>
-                    <a:bodyPr/>
-                    <a:lstStyle/>
-                    <a:p>
-                      <a:r>
-                        <a:rPr lang="en-US" altLang="zh-CN" dirty="0"/>
-                        <a:t>8:30-09:10</a:t>
-                      </a:r>
-                      <a:endParaRPr lang="zh-CN" altLang="en-US" dirty="0"/>
-                    </a:p>
-                  </a:txBody>
-                  <a:tcPr>
-                    <a:noFill/>
-                  </a:tcPr>
-                </a:tc>
-                <a:tc>
-                  <a:txBody>
-                    <a:bodyPr/>
-                    <a:lstStyle/>
-                    <a:p>
-                      <a:r>
-                        <a:rPr lang="zh-CN" altLang="en-US" dirty="0"/>
-                        <a:t>英语</a:t>
-                      </a:r>
-                    </a:p>
-                  </a:txBody>
-                  <a:tcPr>
-                    <a:noFill/>
-                  </a:tcPr>
-                </a:tc>
-                <a:extLst>
-                  <a:ext uri="{0D108BD9-81ED-4DB2-BD59-A6C34878D82A}">
-                    <a16:rowId xmlns:a16="http://schemas.microsoft.com/office/drawing/2014/main" val="4022522699"/>
-                  </a:ext>
-                </a:extLst>
-              </a:tr>
-              <a:tr h="370840">
-                <a:tc>
-                  <a:txBody>
-                    <a:bodyPr/>
-                    <a:lstStyle/>
-                    <a:p>
-                      <a:r>
-                        <a:rPr lang="en-US" altLang="zh-CN" dirty="0"/>
-                        <a:t>9:20-10:00</a:t>
-                      </a:r>
-                    </a:p>
-                  </a:txBody>
-                  <a:tcPr>
-                    <a:noFill/>
-                  </a:tcPr>
-                </a:tc>
-                <a:tc>
-                  <a:txBody>
-                    <a:bodyPr/>
-                    <a:lstStyle/>
-                    <a:p>
-                      <a:r>
-                        <a:rPr lang="zh-CN" altLang="en-US" dirty="0"/>
-                        <a:t>数学</a:t>
-                      </a:r>
-                      <a:endParaRPr lang="en-US" altLang="zh-CN" dirty="0"/>
-                    </a:p>
-                  </a:txBody>
-                  <a:tcPr>
-                    <a:noFill/>
-                  </a:tcPr>
-                </a:tc>
-                <a:extLst>
-                  <a:ext uri="{0D108BD9-81ED-4DB2-BD59-A6C34878D82A}">
-                    <a16:rowId xmlns:a16="http://schemas.microsoft.com/office/drawing/2014/main" val="1767852246"/>
-                  </a:ext>
-                </a:extLst>
-              </a:tr>
-              <a:tr h="370840">
-                <a:tc>
-                  <a:txBody>
-                    <a:bodyPr/>
-                    <a:lstStyle/>
-                    <a:p>
-                      <a:r>
-                        <a:rPr lang="en-US" altLang="zh-CN" dirty="0"/>
-                        <a:t>10:20-11:00</a:t>
-                      </a:r>
-                      <a:endParaRPr lang="zh-CN" altLang="en-US" dirty="0"/>
-                    </a:p>
-                  </a:txBody>
-                  <a:tcPr>
-                    <a:noFill/>
-                  </a:tcPr>
-                </a:tc>
-                <a:tc>
-                  <a:txBody>
-                    <a:bodyPr/>
-                    <a:lstStyle/>
-                    <a:p>
-                      <a:r>
-                        <a:rPr lang="zh-CN" altLang="en-US" dirty="0"/>
-                        <a:t>语文</a:t>
-                      </a:r>
-                    </a:p>
-                  </a:txBody>
-                  <a:tcPr>
-                    <a:noFill/>
-                  </a:tcPr>
-                </a:tc>
-                <a:extLst>
-                  <a:ext uri="{0D108BD9-81ED-4DB2-BD59-A6C34878D82A}">
-                    <a16:rowId xmlns:a16="http://schemas.microsoft.com/office/drawing/2014/main" val="875096495"/>
-                  </a:ext>
-                </a:extLst>
-              </a:tr>
-              <a:tr h="370840">
-                <a:tc>
-                  <a:txBody>
-                    <a:bodyPr/>
-                    <a:lstStyle/>
-                    <a:p>
-                      <a:r>
-                        <a:rPr lang="en-US" altLang="zh-CN" dirty="0"/>
-                        <a:t>11:10-11:50</a:t>
-                      </a:r>
-                      <a:endParaRPr lang="zh-CN" altLang="en-US" dirty="0"/>
-                    </a:p>
-                  </a:txBody>
-                  <a:tcPr>
-                    <a:noFill/>
-                  </a:tcPr>
-                </a:tc>
-                <a:tc>
-                  <a:txBody>
-                    <a:bodyPr/>
-                    <a:lstStyle/>
-                    <a:p>
-                      <a:r>
-                        <a:rPr lang="en-US" altLang="zh-CN" dirty="0"/>
-                        <a:t>H1</a:t>
-                      </a:r>
-                      <a:endParaRPr lang="zh-CN" altLang="en-US" dirty="0"/>
-                    </a:p>
-                  </a:txBody>
-                  <a:tcPr>
-                    <a:noFill/>
-                  </a:tcPr>
-                </a:tc>
-                <a:extLst>
-                  <a:ext uri="{0D108BD9-81ED-4DB2-BD59-A6C34878D82A}">
-                    <a16:rowId xmlns:a16="http://schemas.microsoft.com/office/drawing/2014/main" val="3117241314"/>
-                  </a:ext>
-                </a:extLst>
-              </a:tr>
-              <a:tr h="320040">
-                <a:tc>
-                  <a:txBody>
-                    <a:bodyPr/>
-                    <a:lstStyle/>
-                    <a:p>
-                      <a:endParaRPr lang="zh-CN" altLang="en-US" dirty="0"/>
-                    </a:p>
-                  </a:txBody>
-                  <a:tcPr>
-                    <a:noFill/>
-                  </a:tcPr>
-                </a:tc>
-                <a:tc>
-                  <a:txBody>
-                    <a:bodyPr/>
-                    <a:lstStyle/>
-                    <a:p>
-                      <a:endParaRPr lang="zh-CN" altLang="en-US" dirty="0"/>
-                    </a:p>
-                  </a:txBody>
-                  <a:tcPr>
-                    <a:noFill/>
-                  </a:tcPr>
-                </a:tc>
-                <a:extLst>
-                  <a:ext uri="{0D108BD9-81ED-4DB2-BD59-A6C34878D82A}">
-                    <a16:rowId xmlns:a16="http://schemas.microsoft.com/office/drawing/2014/main" val="2295026887"/>
-                  </a:ext>
-                </a:extLst>
-              </a:tr>
-              <a:tr h="320040">
-                <a:tc>
-                  <a:txBody>
-                    <a:bodyPr/>
-                    <a:lstStyle/>
-                    <a:p>
-                      <a:pPr marL="0" marR="0" lvl="0" indent="0" algn="l" defTabSz="914400" rtl="0" eaLnBrk="1" fontAlgn="auto" latinLnBrk="0" hangingPunct="1">
-                        <a:lnSpc>
-                          <a:spcPct val="100000"/>
-                        </a:lnSpc>
-                        <a:spcBef>
-                          <a:spcPts val="0"/>
-                        </a:spcBef>
-                        <a:spcAft>
-                          <a:spcPts val="0"/>
-                        </a:spcAft>
-                        <a:buClrTx/>
-                        <a:buSzTx/>
-                        <a:buFontTx/>
-                        <a:buNone/>
-                        <a:tabLst/>
-                        <a:defRPr/>
-                      </a:pPr>
-                      <a:r>
-                        <a:rPr lang="en-US" altLang="zh-CN" dirty="0"/>
-                        <a:t>12:50-13:30</a:t>
-                      </a:r>
-                      <a:endParaRPr lang="zh-CN" altLang="en-US" dirty="0"/>
-                    </a:p>
-                  </a:txBody>
-                  <a:tcPr>
-                    <a:noFill/>
-                  </a:tcPr>
-                </a:tc>
-                <a:tc>
-                  <a:txBody>
-                    <a:bodyPr/>
-                    <a:lstStyle/>
-                    <a:p>
-                      <a:r>
-                        <a:rPr lang="zh-CN" altLang="en-US" dirty="0"/>
-                        <a:t>体育</a:t>
-                      </a:r>
-                    </a:p>
-                  </a:txBody>
-                  <a:tcPr>
-                    <a:noFill/>
-                  </a:tcPr>
-                </a:tc>
-                <a:extLst>
-                  <a:ext uri="{0D108BD9-81ED-4DB2-BD59-A6C34878D82A}">
-                    <a16:rowId xmlns:a16="http://schemas.microsoft.com/office/drawing/2014/main" val="3745858755"/>
-                  </a:ext>
-                </a:extLst>
-              </a:tr>
-              <a:tr h="1854200">
-                <a:tc gridSpan="2">
-                  <a:txBody>
-                    <a:bodyPr/>
-                    <a:lstStyle/>
-                    <a:p>
-                      <a:pPr algn="just"/>
-                      <a:r>
-                        <a:rPr lang="zh-CN" altLang="en-US" sz="4000" b="0" dirty="0">
-                          <a:blipFill>
-                            <a:blip r:embed="rId3"/>
-                            <a:stretch>
-                              <a:fillRect/>
-                            </a:stretch>
-                          </a:blipFill>
-                        </a:rPr>
-                        <a:t>艺术节</a:t>
-                      </a:r>
-                      <a:endParaRPr lang="zh-CN" altLang="en-US" sz="4800" b="0" dirty="0">
-                        <a:blipFill>
-                          <a:blip r:embed="rId3"/>
-                          <a:stretch>
-                            <a:fillRect/>
-                          </a:stretch>
-                        </a:blipFill>
-                        <a:latin typeface="华文行楷" panose="02010800040101010101" pitchFamily="2" charset="-122"/>
-                        <a:ea typeface="华文行楷" panose="02010800040101010101" pitchFamily="2" charset="-122"/>
-                      </a:endParaRPr>
-                    </a:p>
-                  </a:txBody>
-                  <a:tcPr vert="eaVert" anchor="ctr">
-                    <a:noFill/>
-                  </a:tcPr>
-                </a:tc>
-                <a:tc hMerge="1">
-                  <a:txBody>
-                    <a:bodyPr/>
-                    <a:lstStyle/>
-                    <a:p>
-                      <a:r>
-                        <a:rPr lang="zh-CN" altLang="en-US" dirty="0"/>
-                        <a:t>选修</a:t>
-                      </a:r>
-                    </a:p>
-                  </a:txBody>
-                  <a:tcPr/>
-                </a:tc>
-                <a:extLst>
-                  <a:ext uri="{0D108BD9-81ED-4DB2-BD59-A6C34878D82A}">
-                    <a16:rowId xmlns:a16="http://schemas.microsoft.com/office/drawing/2014/main" val="2896397951"/>
-                  </a:ext>
-                </a:extLst>
-              </a:tr>
-            </a:tbl>
-          </a:graphicData>
-        </a:graphic>
-      </p:graphicFrame>
-    </p:spTree>
-    <p:extLst>
-      <p:ext uri="{BB962C8B-B14F-4D97-AF65-F5344CB8AC3E}">
-        <p14:creationId xmlns:p14="http://schemas.microsoft.com/office/powerpoint/2010/main" val="817715693"/>
+        <p14:creationId xmlns:p14="http://schemas.microsoft.com/office/powerpoint/2010/main" val="3206407994"/>
       </p:ext>
     </p:extLst>
   </p:cSld>

--- a/课表.pptx
+++ b/课表.pptx
@@ -352,7 +352,7 @@
           <a:p>
             <a:fld id="{F267586B-2027-4D64-BBEB-989F8B5FE0C4}" type="datetimeFigureOut">
               <a:rPr lang="zh-CN" altLang="en-US" smtClean="0"/>
-              <a:t>2023/9/2</a:t>
+              <a:t>2023/9/3</a:t>
             </a:fld>
             <a:endParaRPr lang="zh-CN" altLang="en-US"/>
           </a:p>
@@ -550,7 +550,7 @@
           <a:p>
             <a:fld id="{F267586B-2027-4D64-BBEB-989F8B5FE0C4}" type="datetimeFigureOut">
               <a:rPr lang="zh-CN" altLang="en-US" smtClean="0"/>
-              <a:t>2023/9/2</a:t>
+              <a:t>2023/9/3</a:t>
             </a:fld>
             <a:endParaRPr lang="zh-CN" altLang="en-US"/>
           </a:p>
@@ -758,7 +758,7 @@
           <a:p>
             <a:fld id="{F267586B-2027-4D64-BBEB-989F8B5FE0C4}" type="datetimeFigureOut">
               <a:rPr lang="zh-CN" altLang="en-US" smtClean="0"/>
-              <a:t>2023/9/2</a:t>
+              <a:t>2023/9/3</a:t>
             </a:fld>
             <a:endParaRPr lang="zh-CN" altLang="en-US"/>
           </a:p>
@@ -956,7 +956,7 @@
           <a:p>
             <a:fld id="{F267586B-2027-4D64-BBEB-989F8B5FE0C4}" type="datetimeFigureOut">
               <a:rPr lang="zh-CN" altLang="en-US" smtClean="0"/>
-              <a:t>2023/9/2</a:t>
+              <a:t>2023/9/3</a:t>
             </a:fld>
             <a:endParaRPr lang="zh-CN" altLang="en-US"/>
           </a:p>
@@ -1231,7 +1231,7 @@
           <a:p>
             <a:fld id="{F267586B-2027-4D64-BBEB-989F8B5FE0C4}" type="datetimeFigureOut">
               <a:rPr lang="zh-CN" altLang="en-US" smtClean="0"/>
-              <a:t>2023/9/2</a:t>
+              <a:t>2023/9/3</a:t>
             </a:fld>
             <a:endParaRPr lang="zh-CN" altLang="en-US"/>
           </a:p>
@@ -1496,7 +1496,7 @@
           <a:p>
             <a:fld id="{F267586B-2027-4D64-BBEB-989F8B5FE0C4}" type="datetimeFigureOut">
               <a:rPr lang="zh-CN" altLang="en-US" smtClean="0"/>
-              <a:t>2023/9/2</a:t>
+              <a:t>2023/9/3</a:t>
             </a:fld>
             <a:endParaRPr lang="zh-CN" altLang="en-US"/>
           </a:p>
@@ -1908,7 +1908,7 @@
           <a:p>
             <a:fld id="{F267586B-2027-4D64-BBEB-989F8B5FE0C4}" type="datetimeFigureOut">
               <a:rPr lang="zh-CN" altLang="en-US" smtClean="0"/>
-              <a:t>2023/9/2</a:t>
+              <a:t>2023/9/3</a:t>
             </a:fld>
             <a:endParaRPr lang="zh-CN" altLang="en-US"/>
           </a:p>
@@ -2049,7 +2049,7 @@
           <a:p>
             <a:fld id="{F267586B-2027-4D64-BBEB-989F8B5FE0C4}" type="datetimeFigureOut">
               <a:rPr lang="zh-CN" altLang="en-US" smtClean="0"/>
-              <a:t>2023/9/2</a:t>
+              <a:t>2023/9/3</a:t>
             </a:fld>
             <a:endParaRPr lang="zh-CN" altLang="en-US"/>
           </a:p>
@@ -2162,7 +2162,7 @@
           <a:p>
             <a:fld id="{F267586B-2027-4D64-BBEB-989F8B5FE0C4}" type="datetimeFigureOut">
               <a:rPr lang="zh-CN" altLang="en-US" smtClean="0"/>
-              <a:t>2023/9/2</a:t>
+              <a:t>2023/9/3</a:t>
             </a:fld>
             <a:endParaRPr lang="zh-CN" altLang="en-US"/>
           </a:p>
@@ -2473,7 +2473,7 @@
           <a:p>
             <a:fld id="{F267586B-2027-4D64-BBEB-989F8B5FE0C4}" type="datetimeFigureOut">
               <a:rPr lang="zh-CN" altLang="en-US" smtClean="0"/>
-              <a:t>2023/9/2</a:t>
+              <a:t>2023/9/3</a:t>
             </a:fld>
             <a:endParaRPr lang="zh-CN" altLang="en-US"/>
           </a:p>
@@ -2761,7 +2761,7 @@
           <a:p>
             <a:fld id="{F267586B-2027-4D64-BBEB-989F8B5FE0C4}" type="datetimeFigureOut">
               <a:rPr lang="zh-CN" altLang="en-US" smtClean="0"/>
-              <a:t>2023/9/2</a:t>
+              <a:t>2023/9/3</a:t>
             </a:fld>
             <a:endParaRPr lang="zh-CN" altLang="en-US"/>
           </a:p>
@@ -3005,7 +3005,7 @@
           <a:p>
             <a:fld id="{F267586B-2027-4D64-BBEB-989F8B5FE0C4}" type="datetimeFigureOut">
               <a:rPr lang="zh-CN" altLang="en-US" smtClean="0"/>
-              <a:t>2023/9/2</a:t>
+              <a:t>2023/9/3</a:t>
             </a:fld>
             <a:endParaRPr lang="zh-CN" altLang="en-US"/>
           </a:p>
@@ -3946,7 +3946,7 @@
           <p:nvPr>
             <p:extLst>
               <p:ext uri="{D42A27DB-BD31-4B8C-83A1-F6EECF244321}">
-                <p14:modId xmlns:p14="http://schemas.microsoft.com/office/powerpoint/2010/main" val="974385909"/>
+                <p14:modId xmlns:p14="http://schemas.microsoft.com/office/powerpoint/2010/main" val="102897003"/>
               </p:ext>
             </p:extLst>
           </p:nvPr>
@@ -4345,7 +4345,7 @@
                       <a:pPr algn="ctr"/>
                       <a:r>
                         <a:rPr lang="en-US" altLang="zh-CN" dirty="0"/>
-                        <a:t>18:00-20:20</a:t>
+                        <a:t>18:00-19:30</a:t>
                       </a:r>
                       <a:endParaRPr lang="zh-CN" altLang="en-US" dirty="0"/>
                     </a:p>
@@ -4360,7 +4360,7 @@
                       <a:pPr algn="ctr"/>
                       <a:r>
                         <a:rPr lang="zh-CN" altLang="en-US" dirty="0"/>
-                        <a:t>语文</a:t>
+                        <a:t>数学</a:t>
                       </a:r>
                     </a:p>
                   </a:txBody>
@@ -4421,7 +4421,7 @@
           <p:nvPr>
             <p:extLst>
               <p:ext uri="{D42A27DB-BD31-4B8C-83A1-F6EECF244321}">
-                <p14:modId xmlns:p14="http://schemas.microsoft.com/office/powerpoint/2010/main" val="1181137079"/>
+                <p14:modId xmlns:p14="http://schemas.microsoft.com/office/powerpoint/2010/main" val="780009501"/>
               </p:ext>
             </p:extLst>
           </p:nvPr>
@@ -4817,7 +4817,7 @@
                       <a:pPr algn="ctr"/>
                       <a:r>
                         <a:rPr lang="en-US" altLang="zh-CN" dirty="0"/>
-                        <a:t>18:00-19:30</a:t>
+                        <a:t>18:00-20:20</a:t>
                       </a:r>
                       <a:endParaRPr lang="zh-CN" altLang="en-US" dirty="0"/>
                     </a:p>

--- a/课表.pptx
+++ b/课表.pptx
@@ -10,6 +10,7 @@
     <p:sldId id="260" r:id="rId4"/>
     <p:sldId id="261" r:id="rId5"/>
     <p:sldId id="262" r:id="rId6"/>
+    <p:sldId id="263" r:id="rId7"/>
   </p:sldIdLst>
   <p:sldSz cx="12192000" cy="6858000"/>
   <p:notesSz cx="6858000" cy="9144000"/>
@@ -352,7 +353,7 @@
           <a:p>
             <a:fld id="{F267586B-2027-4D64-BBEB-989F8B5FE0C4}" type="datetimeFigureOut">
               <a:rPr lang="zh-CN" altLang="en-US" smtClean="0"/>
-              <a:t>2023/9/2</a:t>
+              <a:t>2023/9/21</a:t>
             </a:fld>
             <a:endParaRPr lang="zh-CN" altLang="en-US"/>
           </a:p>
@@ -550,7 +551,7 @@
           <a:p>
             <a:fld id="{F267586B-2027-4D64-BBEB-989F8B5FE0C4}" type="datetimeFigureOut">
               <a:rPr lang="zh-CN" altLang="en-US" smtClean="0"/>
-              <a:t>2023/9/2</a:t>
+              <a:t>2023/9/21</a:t>
             </a:fld>
             <a:endParaRPr lang="zh-CN" altLang="en-US"/>
           </a:p>
@@ -758,7 +759,7 @@
           <a:p>
             <a:fld id="{F267586B-2027-4D64-BBEB-989F8B5FE0C4}" type="datetimeFigureOut">
               <a:rPr lang="zh-CN" altLang="en-US" smtClean="0"/>
-              <a:t>2023/9/2</a:t>
+              <a:t>2023/9/21</a:t>
             </a:fld>
             <a:endParaRPr lang="zh-CN" altLang="en-US"/>
           </a:p>
@@ -956,7 +957,7 @@
           <a:p>
             <a:fld id="{F267586B-2027-4D64-BBEB-989F8B5FE0C4}" type="datetimeFigureOut">
               <a:rPr lang="zh-CN" altLang="en-US" smtClean="0"/>
-              <a:t>2023/9/2</a:t>
+              <a:t>2023/9/21</a:t>
             </a:fld>
             <a:endParaRPr lang="zh-CN" altLang="en-US"/>
           </a:p>
@@ -1231,7 +1232,7 @@
           <a:p>
             <a:fld id="{F267586B-2027-4D64-BBEB-989F8B5FE0C4}" type="datetimeFigureOut">
               <a:rPr lang="zh-CN" altLang="en-US" smtClean="0"/>
-              <a:t>2023/9/2</a:t>
+              <a:t>2023/9/21</a:t>
             </a:fld>
             <a:endParaRPr lang="zh-CN" altLang="en-US"/>
           </a:p>
@@ -1496,7 +1497,7 @@
           <a:p>
             <a:fld id="{F267586B-2027-4D64-BBEB-989F8B5FE0C4}" type="datetimeFigureOut">
               <a:rPr lang="zh-CN" altLang="en-US" smtClean="0"/>
-              <a:t>2023/9/2</a:t>
+              <a:t>2023/9/21</a:t>
             </a:fld>
             <a:endParaRPr lang="zh-CN" altLang="en-US"/>
           </a:p>
@@ -1908,7 +1909,7 @@
           <a:p>
             <a:fld id="{F267586B-2027-4D64-BBEB-989F8B5FE0C4}" type="datetimeFigureOut">
               <a:rPr lang="zh-CN" altLang="en-US" smtClean="0"/>
-              <a:t>2023/9/2</a:t>
+              <a:t>2023/9/21</a:t>
             </a:fld>
             <a:endParaRPr lang="zh-CN" altLang="en-US"/>
           </a:p>
@@ -2049,7 +2050,7 @@
           <a:p>
             <a:fld id="{F267586B-2027-4D64-BBEB-989F8B5FE0C4}" type="datetimeFigureOut">
               <a:rPr lang="zh-CN" altLang="en-US" smtClean="0"/>
-              <a:t>2023/9/2</a:t>
+              <a:t>2023/9/21</a:t>
             </a:fld>
             <a:endParaRPr lang="zh-CN" altLang="en-US"/>
           </a:p>
@@ -2162,7 +2163,7 @@
           <a:p>
             <a:fld id="{F267586B-2027-4D64-BBEB-989F8B5FE0C4}" type="datetimeFigureOut">
               <a:rPr lang="zh-CN" altLang="en-US" smtClean="0"/>
-              <a:t>2023/9/2</a:t>
+              <a:t>2023/9/21</a:t>
             </a:fld>
             <a:endParaRPr lang="zh-CN" altLang="en-US"/>
           </a:p>
@@ -2473,7 +2474,7 @@
           <a:p>
             <a:fld id="{F267586B-2027-4D64-BBEB-989F8B5FE0C4}" type="datetimeFigureOut">
               <a:rPr lang="zh-CN" altLang="en-US" smtClean="0"/>
-              <a:t>2023/9/2</a:t>
+              <a:t>2023/9/21</a:t>
             </a:fld>
             <a:endParaRPr lang="zh-CN" altLang="en-US"/>
           </a:p>
@@ -2761,7 +2762,7 @@
           <a:p>
             <a:fld id="{F267586B-2027-4D64-BBEB-989F8B5FE0C4}" type="datetimeFigureOut">
               <a:rPr lang="zh-CN" altLang="en-US" smtClean="0"/>
-              <a:t>2023/9/2</a:t>
+              <a:t>2023/9/21</a:t>
             </a:fld>
             <a:endParaRPr lang="zh-CN" altLang="en-US"/>
           </a:p>
@@ -3005,7 +3006,7 @@
           <a:p>
             <a:fld id="{F267586B-2027-4D64-BBEB-989F8B5FE0C4}" type="datetimeFigureOut">
               <a:rPr lang="zh-CN" altLang="en-US" smtClean="0"/>
-              <a:t>2023/9/2</a:t>
+              <a:t>2023/9/21</a:t>
             </a:fld>
             <a:endParaRPr lang="zh-CN" altLang="en-US"/>
           </a:p>
@@ -3437,7 +3438,7 @@
           <p:nvPr>
             <p:extLst>
               <p:ext uri="{D42A27DB-BD31-4B8C-83A1-F6EECF244321}">
-                <p14:modId xmlns:p14="http://schemas.microsoft.com/office/powerpoint/2010/main" val="3875798022"/>
+                <p14:modId xmlns:p14="http://schemas.microsoft.com/office/powerpoint/2010/main" val="528726226"/>
               </p:ext>
             </p:extLst>
           </p:nvPr>
@@ -3523,7 +3524,7 @@
                       <a:pPr algn="ctr"/>
                       <a:r>
                         <a:rPr lang="zh-CN" altLang="en-US" dirty="0"/>
-                        <a:t>英语</a:t>
+                        <a:t>语文</a:t>
                       </a:r>
                     </a:p>
                   </a:txBody>
@@ -3946,7 +3947,7 @@
           <p:nvPr>
             <p:extLst>
               <p:ext uri="{D42A27DB-BD31-4B8C-83A1-F6EECF244321}">
-                <p14:modId xmlns:p14="http://schemas.microsoft.com/office/powerpoint/2010/main" val="974385909"/>
+                <p14:modId xmlns:p14="http://schemas.microsoft.com/office/powerpoint/2010/main" val="4011356558"/>
               </p:ext>
             </p:extLst>
           </p:nvPr>
@@ -4140,7 +4141,7 @@
                       <a:pPr algn="ctr"/>
                       <a:r>
                         <a:rPr lang="en-US" altLang="zh-CN" dirty="0"/>
-                        <a:t>D1</a:t>
+                        <a:t>D3</a:t>
                       </a:r>
                       <a:endParaRPr lang="zh-CN" altLang="en-US" dirty="0"/>
                     </a:p>
@@ -4278,8 +4279,8 @@
                     <a:p>
                       <a:pPr algn="ctr"/>
                       <a:r>
-                        <a:rPr lang="en-US" altLang="zh-CN" dirty="0"/>
-                        <a:t>D3</a:t>
+                        <a:rPr lang="en-US" altLang="zh-CN"/>
+                        <a:t>D1</a:t>
                       </a:r>
                       <a:endParaRPr lang="zh-CN" altLang="en-US" dirty="0"/>
                     </a:p>
@@ -4345,7 +4346,7 @@
                       <a:pPr algn="ctr"/>
                       <a:r>
                         <a:rPr lang="en-US" altLang="zh-CN" dirty="0"/>
-                        <a:t>18:00-20:20</a:t>
+                        <a:t>18:00-19:30</a:t>
                       </a:r>
                       <a:endParaRPr lang="zh-CN" altLang="en-US" dirty="0"/>
                     </a:p>
@@ -4360,7 +4361,7 @@
                       <a:pPr algn="ctr"/>
                       <a:r>
                         <a:rPr lang="zh-CN" altLang="en-US" dirty="0"/>
-                        <a:t>语文</a:t>
+                        <a:t>数学</a:t>
                       </a:r>
                     </a:p>
                   </a:txBody>
@@ -4392,6 +4393,14 @@
 <file path=ppt/slides/slide3.xml><?xml version="1.0" encoding="utf-8"?>
 <p:sld xmlns:a="http://schemas.openxmlformats.org/drawingml/2006/main" xmlns:r="http://schemas.openxmlformats.org/officeDocument/2006/relationships" xmlns:p="http://schemas.openxmlformats.org/presentationml/2006/main">
   <p:cSld>
+    <p:bg>
+      <p:bgPr>
+        <a:solidFill>
+          <a:srgbClr val="C7EDCC"/>
+        </a:solidFill>
+        <a:effectLst/>
+      </p:bgPr>
+    </p:bg>
     <p:spTree>
       <p:nvGrpSpPr>
         <p:cNvPr id="1" name=""/>
@@ -4421,7 +4430,7 @@
           <p:nvPr>
             <p:extLst>
               <p:ext uri="{D42A27DB-BD31-4B8C-83A1-F6EECF244321}">
-                <p14:modId xmlns:p14="http://schemas.microsoft.com/office/powerpoint/2010/main" val="1181137079"/>
+                <p14:modId xmlns:p14="http://schemas.microsoft.com/office/powerpoint/2010/main" val="1635757971"/>
               </p:ext>
             </p:extLst>
           </p:nvPr>
@@ -4507,7 +4516,7 @@
                       <a:pPr algn="ctr"/>
                       <a:r>
                         <a:rPr lang="zh-CN" altLang="en-US" dirty="0"/>
-                        <a:t>语文</a:t>
+                        <a:t>英语</a:t>
                       </a:r>
                     </a:p>
                   </a:txBody>
@@ -4817,7 +4826,7 @@
                       <a:pPr algn="ctr"/>
                       <a:r>
                         <a:rPr lang="en-US" altLang="zh-CN" dirty="0"/>
-                        <a:t>18:00-19:30</a:t>
+                        <a:t>18:00-20:20</a:t>
                       </a:r>
                       <a:endParaRPr lang="zh-CN" altLang="en-US" dirty="0"/>
                     </a:p>
@@ -5402,7 +5411,7 @@
           <p:nvPr>
             <p:extLst>
               <p:ext uri="{D42A27DB-BD31-4B8C-83A1-F6EECF244321}">
-                <p14:modId xmlns:p14="http://schemas.microsoft.com/office/powerpoint/2010/main" val="2714119543"/>
+                <p14:modId xmlns:p14="http://schemas.microsoft.com/office/powerpoint/2010/main" val="3380728411"/>
               </p:ext>
             </p:extLst>
           </p:nvPr>
@@ -5770,7 +5779,7 @@
                       <a:pPr algn="ctr"/>
                       <a:r>
                         <a:rPr lang="en-US" altLang="zh-CN" dirty="0"/>
-                        <a:t>D2</a:t>
+                        <a:t>D1</a:t>
                       </a:r>
                       <a:endParaRPr lang="zh-CN" altLang="en-US" dirty="0"/>
                     </a:p>
@@ -5806,8 +5815,8 @@
                     <a:p>
                       <a:pPr algn="ctr"/>
                       <a:r>
-                        <a:rPr lang="en-US" altLang="zh-CN" dirty="0"/>
-                        <a:t>D1</a:t>
+                        <a:rPr lang="en-US" altLang="zh-CN"/>
+                        <a:t>D2</a:t>
                       </a:r>
                       <a:endParaRPr lang="zh-CN" altLang="en-US" dirty="0"/>
                     </a:p>
@@ -5864,6 +5873,521 @@
     <p:extLst>
       <p:ext uri="{BB962C8B-B14F-4D97-AF65-F5344CB8AC3E}">
         <p14:creationId xmlns:p14="http://schemas.microsoft.com/office/powerpoint/2010/main" val="3206407994"/>
+      </p:ext>
+    </p:extLst>
+  </p:cSld>
+  <p:clrMapOvr>
+    <a:masterClrMapping/>
+  </p:clrMapOvr>
+</p:sld>
+</file>
+
+<file path=ppt/slides/slide6.xml><?xml version="1.0" encoding="utf-8"?>
+<p:sld xmlns:a="http://schemas.openxmlformats.org/drawingml/2006/main" xmlns:r="http://schemas.openxmlformats.org/officeDocument/2006/relationships" xmlns:p="http://schemas.openxmlformats.org/presentationml/2006/main">
+  <p:cSld>
+    <p:spTree>
+      <p:nvGrpSpPr>
+        <p:cNvPr id="1" name=""/>
+        <p:cNvGrpSpPr/>
+        <p:nvPr/>
+      </p:nvGrpSpPr>
+      <p:grpSpPr>
+        <a:xfrm>
+          <a:off x="0" y="0"/>
+          <a:ext cx="0" cy="0"/>
+          <a:chOff x="0" y="0"/>
+          <a:chExt cx="0" cy="0"/>
+        </a:xfrm>
+      </p:grpSpPr>
+      <p:graphicFrame>
+        <p:nvGraphicFramePr>
+          <p:cNvPr id="4" name="表格 5">
+            <a:extLst>
+              <a:ext uri="{FF2B5EF4-FFF2-40B4-BE49-F238E27FC236}">
+                <a16:creationId xmlns:a16="http://schemas.microsoft.com/office/drawing/2014/main" id="{FF71C17B-167D-4749-9E94-6827AEA3FE5E}"/>
+              </a:ext>
+            </a:extLst>
+          </p:cNvPr>
+          <p:cNvGraphicFramePr>
+            <a:graphicFrameLocks noGrp="1"/>
+          </p:cNvGraphicFramePr>
+          <p:nvPr/>
+        </p:nvGraphicFramePr>
+        <p:xfrm>
+          <a:off x="0" y="1018540"/>
+          <a:ext cx="2190307" cy="4820920"/>
+        </p:xfrm>
+        <a:graphic>
+          <a:graphicData uri="http://schemas.openxmlformats.org/drawingml/2006/table">
+            <a:tbl>
+              <a:tblPr bandRow="1">
+                <a:tableStyleId>{93296810-A885-4BE3-A3E7-6D5BEEA58F35}</a:tableStyleId>
+              </a:tblPr>
+              <a:tblGrid>
+                <a:gridCol w="1541721">
+                  <a:extLst>
+                    <a:ext uri="{9D8B030D-6E8A-4147-A177-3AD203B41FA5}">
+                      <a16:colId xmlns:a16="http://schemas.microsoft.com/office/drawing/2014/main" val="380885542"/>
+                    </a:ext>
+                  </a:extLst>
+                </a:gridCol>
+                <a:gridCol w="648586">
+                  <a:extLst>
+                    <a:ext uri="{9D8B030D-6E8A-4147-A177-3AD203B41FA5}">
+                      <a16:colId xmlns:a16="http://schemas.microsoft.com/office/drawing/2014/main" val="3910847611"/>
+                    </a:ext>
+                  </a:extLst>
+                </a:gridCol>
+              </a:tblGrid>
+              <a:tr h="370840">
+                <a:tc gridSpan="2">
+                  <a:txBody>
+                    <a:bodyPr/>
+                    <a:lstStyle/>
+                    <a:p>
+                      <a:pPr algn="ctr"/>
+                      <a:r>
+                        <a:rPr lang="zh-CN" altLang="en-US" dirty="0"/>
+                        <a:t>周三</a:t>
+                      </a:r>
+                    </a:p>
+                  </a:txBody>
+                  <a:tcPr anchor="ctr"/>
+                </a:tc>
+                <a:tc hMerge="1">
+                  <a:txBody>
+                    <a:bodyPr/>
+                    <a:lstStyle/>
+                    <a:p>
+                      <a:endParaRPr lang="zh-CN" altLang="en-US" dirty="0"/>
+                    </a:p>
+                  </a:txBody>
+                  <a:tcPr/>
+                </a:tc>
+                <a:extLst>
+                  <a:ext uri="{0D108BD9-81ED-4DB2-BD59-A6C34878D82A}">
+                    <a16:rowId xmlns:a16="http://schemas.microsoft.com/office/drawing/2014/main" val="2528676042"/>
+                  </a:ext>
+                </a:extLst>
+              </a:tr>
+              <a:tr h="370840">
+                <a:tc>
+                  <a:txBody>
+                    <a:bodyPr/>
+                    <a:lstStyle/>
+                    <a:p>
+                      <a:pPr algn="ctr"/>
+                      <a:r>
+                        <a:rPr lang="en-US" altLang="zh-CN" dirty="0"/>
+                        <a:t>07:20-08:00</a:t>
+                      </a:r>
+                      <a:endParaRPr lang="zh-CN" altLang="en-US" dirty="0"/>
+                    </a:p>
+                  </a:txBody>
+                  <a:tcPr anchor="ctr"/>
+                </a:tc>
+                <a:tc>
+                  <a:txBody>
+                    <a:bodyPr/>
+                    <a:lstStyle/>
+                    <a:p>
+                      <a:pPr algn="ctr"/>
+                      <a:r>
+                        <a:rPr lang="zh-CN" altLang="en-US" dirty="0"/>
+                        <a:t>英语</a:t>
+                      </a:r>
+                    </a:p>
+                  </a:txBody>
+                  <a:tcPr anchor="ctr"/>
+                </a:tc>
+                <a:extLst>
+                  <a:ext uri="{0D108BD9-81ED-4DB2-BD59-A6C34878D82A}">
+                    <a16:rowId xmlns:a16="http://schemas.microsoft.com/office/drawing/2014/main" val="2253246424"/>
+                  </a:ext>
+                </a:extLst>
+              </a:tr>
+              <a:tr h="370840">
+                <a:tc>
+                  <a:txBody>
+                    <a:bodyPr/>
+                    <a:lstStyle/>
+                    <a:p>
+                      <a:pPr algn="ctr"/>
+                      <a:r>
+                        <a:rPr lang="en-US" altLang="zh-CN" dirty="0"/>
+                        <a:t>08:30-09:10</a:t>
+                      </a:r>
+                      <a:endParaRPr lang="zh-CN" altLang="en-US" dirty="0"/>
+                    </a:p>
+                  </a:txBody>
+                  <a:tcPr anchor="ctr"/>
+                </a:tc>
+                <a:tc>
+                  <a:txBody>
+                    <a:bodyPr/>
+                    <a:lstStyle/>
+                    <a:p>
+                      <a:pPr algn="ctr"/>
+                      <a:r>
+                        <a:rPr lang="zh-CN" altLang="en-US" dirty="0"/>
+                        <a:t>数学</a:t>
+                      </a:r>
+                    </a:p>
+                  </a:txBody>
+                  <a:tcPr anchor="ctr"/>
+                </a:tc>
+                <a:extLst>
+                  <a:ext uri="{0D108BD9-81ED-4DB2-BD59-A6C34878D82A}">
+                    <a16:rowId xmlns:a16="http://schemas.microsoft.com/office/drawing/2014/main" val="4022522699"/>
+                  </a:ext>
+                </a:extLst>
+              </a:tr>
+              <a:tr h="370840">
+                <a:tc>
+                  <a:txBody>
+                    <a:bodyPr/>
+                    <a:lstStyle/>
+                    <a:p>
+                      <a:pPr algn="ctr"/>
+                      <a:r>
+                        <a:rPr lang="en-US" altLang="zh-CN" dirty="0"/>
+                        <a:t>09:20-10:00</a:t>
+                      </a:r>
+                    </a:p>
+                  </a:txBody>
+                  <a:tcPr anchor="ctr"/>
+                </a:tc>
+                <a:tc>
+                  <a:txBody>
+                    <a:bodyPr/>
+                    <a:lstStyle/>
+                    <a:p>
+                      <a:pPr algn="ctr"/>
+                      <a:r>
+                        <a:rPr lang="zh-CN" altLang="en-US" dirty="0"/>
+                        <a:t>数学</a:t>
+                      </a:r>
+                      <a:endParaRPr lang="en-US" altLang="zh-CN" dirty="0"/>
+                    </a:p>
+                  </a:txBody>
+                  <a:tcPr anchor="ctr"/>
+                </a:tc>
+                <a:extLst>
+                  <a:ext uri="{0D108BD9-81ED-4DB2-BD59-A6C34878D82A}">
+                    <a16:rowId xmlns:a16="http://schemas.microsoft.com/office/drawing/2014/main" val="1767852246"/>
+                  </a:ext>
+                </a:extLst>
+              </a:tr>
+              <a:tr h="370840">
+                <a:tc>
+                  <a:txBody>
+                    <a:bodyPr/>
+                    <a:lstStyle/>
+                    <a:p>
+                      <a:pPr algn="ctr"/>
+                      <a:r>
+                        <a:rPr lang="en-US" altLang="zh-CN" dirty="0"/>
+                        <a:t>10:20-11:00</a:t>
+                      </a:r>
+                      <a:endParaRPr lang="zh-CN" altLang="en-US" dirty="0"/>
+                    </a:p>
+                  </a:txBody>
+                  <a:tcPr anchor="ctr"/>
+                </a:tc>
+                <a:tc>
+                  <a:txBody>
+                    <a:bodyPr/>
+                    <a:lstStyle/>
+                    <a:p>
+                      <a:pPr algn="ctr"/>
+                      <a:r>
+                        <a:rPr lang="zh-CN" altLang="en-US" dirty="0"/>
+                        <a:t>英语</a:t>
+                      </a:r>
+                    </a:p>
+                  </a:txBody>
+                  <a:tcPr anchor="ctr"/>
+                </a:tc>
+                <a:extLst>
+                  <a:ext uri="{0D108BD9-81ED-4DB2-BD59-A6C34878D82A}">
+                    <a16:rowId xmlns:a16="http://schemas.microsoft.com/office/drawing/2014/main" val="875096495"/>
+                  </a:ext>
+                </a:extLst>
+              </a:tr>
+              <a:tr h="370840">
+                <a:tc>
+                  <a:txBody>
+                    <a:bodyPr/>
+                    <a:lstStyle/>
+                    <a:p>
+                      <a:pPr algn="ctr"/>
+                      <a:r>
+                        <a:rPr lang="en-US" altLang="zh-CN" dirty="0"/>
+                        <a:t>11:10-11:50</a:t>
+                      </a:r>
+                      <a:endParaRPr lang="zh-CN" altLang="en-US" dirty="0"/>
+                    </a:p>
+                  </a:txBody>
+                  <a:tcPr anchor="ctr"/>
+                </a:tc>
+                <a:tc>
+                  <a:txBody>
+                    <a:bodyPr/>
+                    <a:lstStyle/>
+                    <a:p>
+                      <a:pPr algn="ctr"/>
+                      <a:r>
+                        <a:rPr lang="zh-CN" altLang="en-US" dirty="0"/>
+                        <a:t>英语</a:t>
+                      </a:r>
+                    </a:p>
+                  </a:txBody>
+                  <a:tcPr anchor="ctr"/>
+                </a:tc>
+                <a:extLst>
+                  <a:ext uri="{0D108BD9-81ED-4DB2-BD59-A6C34878D82A}">
+                    <a16:rowId xmlns:a16="http://schemas.microsoft.com/office/drawing/2014/main" val="3117241314"/>
+                  </a:ext>
+                </a:extLst>
+              </a:tr>
+              <a:tr h="370840">
+                <a:tc>
+                  <a:txBody>
+                    <a:bodyPr/>
+                    <a:lstStyle/>
+                    <a:p>
+                      <a:pPr algn="ctr"/>
+                      <a:endParaRPr lang="zh-CN" altLang="en-US" dirty="0"/>
+                    </a:p>
+                  </a:txBody>
+                  <a:tcPr anchor="ctr"/>
+                </a:tc>
+                <a:tc>
+                  <a:txBody>
+                    <a:bodyPr/>
+                    <a:lstStyle/>
+                    <a:p>
+                      <a:pPr algn="ctr"/>
+                      <a:endParaRPr lang="zh-CN" altLang="en-US" dirty="0"/>
+                    </a:p>
+                  </a:txBody>
+                  <a:tcPr anchor="ctr"/>
+                </a:tc>
+                <a:extLst>
+                  <a:ext uri="{0D108BD9-81ED-4DB2-BD59-A6C34878D82A}">
+                    <a16:rowId xmlns:a16="http://schemas.microsoft.com/office/drawing/2014/main" val="2295026887"/>
+                  </a:ext>
+                </a:extLst>
+              </a:tr>
+              <a:tr h="370840">
+                <a:tc>
+                  <a:txBody>
+                    <a:bodyPr/>
+                    <a:lstStyle/>
+                    <a:p>
+                      <a:pPr algn="ctr"/>
+                      <a:r>
+                        <a:rPr lang="en-US" altLang="zh-CN" dirty="0"/>
+                        <a:t>12:50-13:30</a:t>
+                      </a:r>
+                      <a:endParaRPr lang="zh-CN" altLang="en-US" dirty="0"/>
+                    </a:p>
+                  </a:txBody>
+                  <a:tcPr anchor="ctr"/>
+                </a:tc>
+                <a:tc>
+                  <a:txBody>
+                    <a:bodyPr/>
+                    <a:lstStyle/>
+                    <a:p>
+                      <a:pPr algn="ctr"/>
+                      <a:r>
+                        <a:rPr lang="zh-CN" altLang="en-US" dirty="0"/>
+                        <a:t>体育</a:t>
+                      </a:r>
+                    </a:p>
+                  </a:txBody>
+                  <a:tcPr anchor="ctr"/>
+                </a:tc>
+                <a:extLst>
+                  <a:ext uri="{0D108BD9-81ED-4DB2-BD59-A6C34878D82A}">
+                    <a16:rowId xmlns:a16="http://schemas.microsoft.com/office/drawing/2014/main" val="2896397951"/>
+                  </a:ext>
+                </a:extLst>
+              </a:tr>
+              <a:tr h="370840">
+                <a:tc>
+                  <a:txBody>
+                    <a:bodyPr/>
+                    <a:lstStyle/>
+                    <a:p>
+                      <a:pPr algn="ctr"/>
+                      <a:r>
+                        <a:rPr lang="en-US" altLang="zh-CN" dirty="0"/>
+                        <a:t>13:40-14:20</a:t>
+                      </a:r>
+                      <a:endParaRPr lang="zh-CN" altLang="en-US" dirty="0"/>
+                    </a:p>
+                  </a:txBody>
+                  <a:tcPr anchor="ctr"/>
+                </a:tc>
+                <a:tc>
+                  <a:txBody>
+                    <a:bodyPr/>
+                    <a:lstStyle/>
+                    <a:p>
+                      <a:pPr algn="ctr"/>
+                      <a:r>
+                        <a:rPr lang="zh-CN" altLang="en-US" dirty="0"/>
+                        <a:t>语文</a:t>
+                      </a:r>
+                    </a:p>
+                  </a:txBody>
+                  <a:tcPr anchor="ctr"/>
+                </a:tc>
+                <a:extLst>
+                  <a:ext uri="{0D108BD9-81ED-4DB2-BD59-A6C34878D82A}">
+                    <a16:rowId xmlns:a16="http://schemas.microsoft.com/office/drawing/2014/main" val="4134682008"/>
+                  </a:ext>
+                </a:extLst>
+              </a:tr>
+              <a:tr h="1112520">
+                <a:tc>
+                  <a:txBody>
+                    <a:bodyPr/>
+                    <a:lstStyle/>
+                    <a:p>
+                      <a:pPr algn="ctr"/>
+                      <a:r>
+                        <a:rPr lang="en-US" altLang="zh-CN" dirty="0"/>
+                        <a:t>14:40-17:00</a:t>
+                      </a:r>
+                      <a:endParaRPr lang="zh-CN" altLang="en-US" dirty="0"/>
+                    </a:p>
+                  </a:txBody>
+                  <a:tcPr anchor="ctr"/>
+                </a:tc>
+                <a:tc>
+                  <a:txBody>
+                    <a:bodyPr/>
+                    <a:lstStyle/>
+                    <a:p>
+                      <a:pPr algn="ctr"/>
+                      <a:r>
+                        <a:rPr lang="zh-CN" altLang="en-US" dirty="0"/>
+                        <a:t>语文</a:t>
+                      </a:r>
+                      <a:endParaRPr lang="en-US" altLang="zh-CN" dirty="0"/>
+                    </a:p>
+                    <a:p>
+                      <a:pPr algn="ctr"/>
+                      <a:r>
+                        <a:rPr lang="zh-CN" altLang="en-US" dirty="0"/>
+                        <a:t>练习</a:t>
+                      </a:r>
+                    </a:p>
+                  </a:txBody>
+                  <a:tcPr anchor="ctr"/>
+                </a:tc>
+                <a:extLst>
+                  <a:ext uri="{0D108BD9-81ED-4DB2-BD59-A6C34878D82A}">
+                    <a16:rowId xmlns:a16="http://schemas.microsoft.com/office/drawing/2014/main" val="1150853496"/>
+                  </a:ext>
+                </a:extLst>
+              </a:tr>
+              <a:tr h="370840">
+                <a:tc>
+                  <a:txBody>
+                    <a:bodyPr/>
+                    <a:lstStyle/>
+                    <a:p>
+                      <a:pPr algn="ctr"/>
+                      <a:r>
+                        <a:rPr lang="en-US" altLang="zh-CN" dirty="0"/>
+                        <a:t>18:00-20:20</a:t>
+                      </a:r>
+                      <a:endParaRPr lang="zh-CN" altLang="en-US" dirty="0"/>
+                    </a:p>
+                  </a:txBody>
+                  <a:tcPr anchor="ctr"/>
+                </a:tc>
+                <a:tc>
+                  <a:txBody>
+                    <a:bodyPr/>
+                    <a:lstStyle/>
+                    <a:p>
+                      <a:pPr algn="ctr"/>
+                      <a:r>
+                        <a:rPr lang="zh-CN" altLang="en-US" dirty="0"/>
+                        <a:t>选科</a:t>
+                      </a:r>
+                    </a:p>
+                  </a:txBody>
+                  <a:tcPr anchor="ctr"/>
+                </a:tc>
+                <a:extLst>
+                  <a:ext uri="{0D108BD9-81ED-4DB2-BD59-A6C34878D82A}">
+                    <a16:rowId xmlns:a16="http://schemas.microsoft.com/office/drawing/2014/main" val="2571435325"/>
+                  </a:ext>
+                </a:extLst>
+              </a:tr>
+            </a:tbl>
+          </a:graphicData>
+        </a:graphic>
+      </p:graphicFrame>
+      <p:sp>
+        <p:nvSpPr>
+          <p:cNvPr id="2" name="矩形 1">
+            <a:extLst>
+              <a:ext uri="{FF2B5EF4-FFF2-40B4-BE49-F238E27FC236}">
+                <a16:creationId xmlns:a16="http://schemas.microsoft.com/office/drawing/2014/main" id="{086D6E84-DF87-4307-9F95-E23352B89E1F}"/>
+              </a:ext>
+            </a:extLst>
+          </p:cNvPr>
+          <p:cNvSpPr/>
+          <p:nvPr/>
+        </p:nvSpPr>
+        <p:spPr>
+          <a:xfrm>
+            <a:off x="0" y="0"/>
+            <a:ext cx="1919288" cy="571500"/>
+          </a:xfrm>
+          <a:prstGeom prst="rect">
+            <a:avLst/>
+          </a:prstGeom>
+          <a:solidFill>
+            <a:schemeClr val="bg1"/>
+          </a:solidFill>
+        </p:spPr>
+        <p:style>
+          <a:lnRef idx="2">
+            <a:schemeClr val="accent1">
+              <a:shade val="50000"/>
+            </a:schemeClr>
+          </a:lnRef>
+          <a:fillRef idx="1">
+            <a:schemeClr val="accent1"/>
+          </a:fillRef>
+          <a:effectRef idx="0">
+            <a:schemeClr val="accent1"/>
+          </a:effectRef>
+          <a:fontRef idx="minor">
+            <a:schemeClr val="lt1"/>
+          </a:fontRef>
+        </p:style>
+        <p:txBody>
+          <a:bodyPr rtlCol="0" anchor="ctr"/>
+          <a:lstStyle/>
+          <a:p>
+            <a:pPr algn="ctr"/>
+            <a:endParaRPr lang="zh-CN" altLang="en-US"/>
+          </a:p>
+        </p:txBody>
+      </p:sp>
+    </p:spTree>
+    <p:extLst>
+      <p:ext uri="{BB962C8B-B14F-4D97-AF65-F5344CB8AC3E}">
+        <p14:creationId xmlns:p14="http://schemas.microsoft.com/office/powerpoint/2010/main" val="4043629719"/>
       </p:ext>
     </p:extLst>
   </p:cSld>
